--- a/Offensive Security Tactics for Linux Professionals - External Perimeter Testing.pptx
+++ b/Offensive Security Tactics for Linux Professionals - External Perimeter Testing.pptx
@@ -5,7 +5,7 @@
     <p:sldMasterId id="2147483648" r:id="rId1"/>
   </p:sldMasterIdLst>
   <p:notesMasterIdLst>
-    <p:notesMasterId r:id="rId18"/>
+    <p:notesMasterId r:id="rId19"/>
   </p:notesMasterIdLst>
   <p:sldIdLst>
     <p:sldId id="256" r:id="rId2"/>
@@ -17,13 +17,14 @@
     <p:sldId id="266" r:id="rId8"/>
     <p:sldId id="264" r:id="rId9"/>
     <p:sldId id="265" r:id="rId10"/>
-    <p:sldId id="267" r:id="rId11"/>
-    <p:sldId id="268" r:id="rId12"/>
-    <p:sldId id="269" r:id="rId13"/>
-    <p:sldId id="273" r:id="rId14"/>
-    <p:sldId id="272" r:id="rId15"/>
-    <p:sldId id="270" r:id="rId16"/>
-    <p:sldId id="271" r:id="rId17"/>
+    <p:sldId id="279" r:id="rId11"/>
+    <p:sldId id="278" r:id="rId12"/>
+    <p:sldId id="280" r:id="rId13"/>
+    <p:sldId id="281" r:id="rId14"/>
+    <p:sldId id="283" r:id="rId15"/>
+    <p:sldId id="285" r:id="rId16"/>
+    <p:sldId id="282" r:id="rId17"/>
+    <p:sldId id="284" r:id="rId18"/>
   </p:sldIdLst>
   <p:sldSz cx="12192000" cy="6858000"/>
   <p:notesSz cx="6858000" cy="9144000"/>
@@ -6115,7 +6116,7 @@
           <a:p>
             <a:fld id="{CAC8DC2F-1056-472E-80EB-EAADF9D565BE}" type="datetimeFigureOut">
               <a:rPr lang="en-GB" smtClean="0"/>
-              <a:t>12/11/2021</a:t>
+              <a:t>07/04/2022</a:t>
             </a:fld>
             <a:endParaRPr lang="en-GB"/>
           </a:p>
@@ -6427,7 +6428,24 @@
           <a:bodyPr/>
           <a:lstStyle/>
           <a:p>
-            <a:endParaRPr lang="en-GB"/>
+            <a:r>
+              <a:rPr lang="en-GB" dirty="0"/>
+              <a:t>External perimeter testing goes further from a vulnerability assessment. We do not just perform the reconnaissance on a target instead we actively try to access the target systems through whatever vulnerability we can find. </a:t>
+            </a:r>
+          </a:p>
+          <a:p>
+            <a:endParaRPr lang="en-GB" dirty="0"/>
+          </a:p>
+          <a:p>
+            <a:r>
+              <a:rPr lang="en-GB" dirty="0"/>
+              <a:t>Part of these vulnerabilities can involve misconfigured firewalls which leak traffic from internal ports followed by misconfigurations on installed services such as web apps or outdated network services which may </a:t>
+            </a:r>
+            <a:r>
+              <a:rPr lang="en-GB"/>
+              <a:t>be vulnerable to RCE, </a:t>
+            </a:r>
+            <a:endParaRPr lang="en-GB" dirty="0"/>
           </a:p>
         </p:txBody>
       </p:sp>
@@ -6448,7 +6466,7 @@
           <a:p>
             <a:fld id="{B0863950-9A2F-47EA-ADEC-B79BCD7B56CE}" type="slidenum">
               <a:rPr lang="en-GB" smtClean="0"/>
-              <a:t>12</a:t>
+              <a:t>3</a:t>
             </a:fld>
             <a:endParaRPr lang="en-GB"/>
           </a:p>
@@ -6457,7 +6475,7 @@
     </p:spTree>
     <p:extLst>
       <p:ext uri="{BB962C8B-B14F-4D97-AF65-F5344CB8AC3E}">
-        <p14:creationId xmlns:p14="http://schemas.microsoft.com/office/powerpoint/2010/main" val="986963079"/>
+        <p14:creationId xmlns:p14="http://schemas.microsoft.com/office/powerpoint/2010/main" val="3339428737"/>
       </p:ext>
     </p:extLst>
   </p:cSld>
@@ -6532,6 +6550,90 @@
           <a:p>
             <a:fld id="{B0863950-9A2F-47EA-ADEC-B79BCD7B56CE}" type="slidenum">
               <a:rPr lang="en-GB" smtClean="0"/>
+              <a:t>10</a:t>
+            </a:fld>
+            <a:endParaRPr lang="en-GB"/>
+          </a:p>
+        </p:txBody>
+      </p:sp>
+    </p:spTree>
+    <p:extLst>
+      <p:ext uri="{BB962C8B-B14F-4D97-AF65-F5344CB8AC3E}">
+        <p14:creationId xmlns:p14="http://schemas.microsoft.com/office/powerpoint/2010/main" val="2981926697"/>
+      </p:ext>
+    </p:extLst>
+  </p:cSld>
+  <p:clrMapOvr>
+    <a:masterClrMapping/>
+  </p:clrMapOvr>
+</p:notes>
+</file>
+
+<file path=ppt/notesSlides/notesSlide3.xml><?xml version="1.0" encoding="utf-8"?>
+<p:notes xmlns:a="http://schemas.openxmlformats.org/drawingml/2006/main" xmlns:r="http://schemas.openxmlformats.org/officeDocument/2006/relationships" xmlns:p="http://schemas.openxmlformats.org/presentationml/2006/main">
+  <p:cSld>
+    <p:spTree>
+      <p:nvGrpSpPr>
+        <p:cNvPr id="1" name=""/>
+        <p:cNvGrpSpPr/>
+        <p:nvPr/>
+      </p:nvGrpSpPr>
+      <p:grpSpPr>
+        <a:xfrm>
+          <a:off x="0" y="0"/>
+          <a:ext cx="0" cy="0"/>
+          <a:chOff x="0" y="0"/>
+          <a:chExt cx="0" cy="0"/>
+        </a:xfrm>
+      </p:grpSpPr>
+      <p:sp>
+        <p:nvSpPr>
+          <p:cNvPr id="2" name="Slide Image Placeholder 1"/>
+          <p:cNvSpPr>
+            <a:spLocks noGrp="1" noRot="1" noChangeAspect="1"/>
+          </p:cNvSpPr>
+          <p:nvPr>
+            <p:ph type="sldImg"/>
+          </p:nvPr>
+        </p:nvSpPr>
+        <p:spPr/>
+      </p:sp>
+      <p:sp>
+        <p:nvSpPr>
+          <p:cNvPr id="3" name="Notes Placeholder 2"/>
+          <p:cNvSpPr>
+            <a:spLocks noGrp="1"/>
+          </p:cNvSpPr>
+          <p:nvPr>
+            <p:ph type="body" idx="1"/>
+          </p:nvPr>
+        </p:nvSpPr>
+        <p:spPr/>
+        <p:txBody>
+          <a:bodyPr/>
+          <a:lstStyle/>
+          <a:p>
+            <a:endParaRPr lang="en-GB" dirty="0"/>
+          </a:p>
+        </p:txBody>
+      </p:sp>
+      <p:sp>
+        <p:nvSpPr>
+          <p:cNvPr id="4" name="Slide Number Placeholder 3"/>
+          <p:cNvSpPr>
+            <a:spLocks noGrp="1"/>
+          </p:cNvSpPr>
+          <p:nvPr>
+            <p:ph type="sldNum" sz="quarter" idx="5"/>
+          </p:nvPr>
+        </p:nvSpPr>
+        <p:spPr/>
+        <p:txBody>
+          <a:bodyPr/>
+          <a:lstStyle/>
+          <a:p>
+            <a:fld id="{B0863950-9A2F-47EA-ADEC-B79BCD7B56CE}" type="slidenum">
+              <a:rPr lang="en-GB" smtClean="0"/>
               <a:t>16</a:t>
             </a:fld>
             <a:endParaRPr lang="en-GB"/>
@@ -6541,7 +6643,7 @@
     </p:spTree>
     <p:extLst>
       <p:ext uri="{BB962C8B-B14F-4D97-AF65-F5344CB8AC3E}">
-        <p14:creationId xmlns:p14="http://schemas.microsoft.com/office/powerpoint/2010/main" val="2549893783"/>
+        <p14:creationId xmlns:p14="http://schemas.microsoft.com/office/powerpoint/2010/main" val="2234233744"/>
       </p:ext>
     </p:extLst>
   </p:cSld>
@@ -6797,7 +6899,7 @@
             <a:fld id="{B61BEF0D-F0BB-DE4B-95CE-6DB70DBA9567}" type="datetimeFigureOut">
               <a:rPr lang="en-US" dirty="0"/>
               <a:pPr/>
-              <a:t>11/12/2021</a:t>
+              <a:t>4/7/2022</a:t>
             </a:fld>
             <a:endParaRPr lang="en-US" dirty="0"/>
           </a:p>
@@ -7056,7 +7158,7 @@
             <a:fld id="{B61BEF0D-F0BB-DE4B-95CE-6DB70DBA9567}" type="datetimeFigureOut">
               <a:rPr lang="en-US" dirty="0"/>
               <a:pPr/>
-              <a:t>11/12/2021</a:t>
+              <a:t>4/7/2022</a:t>
             </a:fld>
             <a:endParaRPr lang="en-US" dirty="0"/>
           </a:p>
@@ -7288,7 +7390,7 @@
             <a:fld id="{B61BEF0D-F0BB-DE4B-95CE-6DB70DBA9567}" type="datetimeFigureOut">
               <a:rPr lang="en-US" dirty="0"/>
               <a:pPr/>
-              <a:t>11/12/2021</a:t>
+              <a:t>4/7/2022</a:t>
             </a:fld>
             <a:endParaRPr lang="en-US" dirty="0"/>
           </a:p>
@@ -7525,7 +7627,7 @@
             <a:fld id="{B61BEF0D-F0BB-DE4B-95CE-6DB70DBA9567}" type="datetimeFigureOut">
               <a:rPr lang="en-US" dirty="0"/>
               <a:pPr/>
-              <a:t>11/12/2021</a:t>
+              <a:t>4/7/2022</a:t>
             </a:fld>
             <a:endParaRPr lang="en-US" dirty="0"/>
           </a:p>
@@ -7829,7 +7931,7 @@
             <a:fld id="{B61BEF0D-F0BB-DE4B-95CE-6DB70DBA9567}" type="datetimeFigureOut">
               <a:rPr lang="en-US" dirty="0"/>
               <a:pPr/>
-              <a:t>11/12/2021</a:t>
+              <a:t>4/7/2022</a:t>
             </a:fld>
             <a:endParaRPr lang="en-US" dirty="0"/>
           </a:p>
@@ -8128,7 +8230,7 @@
             <a:fld id="{B61BEF0D-F0BB-DE4B-95CE-6DB70DBA9567}" type="datetimeFigureOut">
               <a:rPr lang="en-US" dirty="0"/>
               <a:pPr/>
-              <a:t>11/12/2021</a:t>
+              <a:t>4/7/2022</a:t>
             </a:fld>
             <a:endParaRPr lang="en-US" dirty="0"/>
           </a:p>
@@ -8547,7 +8649,7 @@
             <a:fld id="{B61BEF0D-F0BB-DE4B-95CE-6DB70DBA9567}" type="datetimeFigureOut">
               <a:rPr lang="en-US" dirty="0"/>
               <a:pPr/>
-              <a:t>11/12/2021</a:t>
+              <a:t>4/7/2022</a:t>
             </a:fld>
             <a:endParaRPr lang="en-US" dirty="0"/>
           </a:p>
@@ -8706,7 +8808,7 @@
             <a:fld id="{B61BEF0D-F0BB-DE4B-95CE-6DB70DBA9567}" type="datetimeFigureOut">
               <a:rPr lang="en-US" dirty="0"/>
               <a:pPr/>
-              <a:t>11/12/2021</a:t>
+              <a:t>4/7/2022</a:t>
             </a:fld>
             <a:endParaRPr lang="en-US" dirty="0"/>
           </a:p>
@@ -8798,7 +8900,7 @@
             <a:fld id="{B61BEF0D-F0BB-DE4B-95CE-6DB70DBA9567}" type="datetimeFigureOut">
               <a:rPr lang="en-US" dirty="0"/>
               <a:pPr/>
-              <a:t>11/12/2021</a:t>
+              <a:t>4/7/2022</a:t>
             </a:fld>
             <a:endParaRPr lang="en-US" dirty="0"/>
           </a:p>
@@ -9173,7 +9275,7 @@
             <a:fld id="{B61BEF0D-F0BB-DE4B-95CE-6DB70DBA9567}" type="datetimeFigureOut">
               <a:rPr lang="en-US" dirty="0"/>
               <a:pPr/>
-              <a:t>11/12/2021</a:t>
+              <a:t>4/7/2022</a:t>
             </a:fld>
             <a:endParaRPr lang="en-US" dirty="0"/>
           </a:p>
@@ -9459,7 +9561,7 @@
             <a:fld id="{B61BEF0D-F0BB-DE4B-95CE-6DB70DBA9567}" type="datetimeFigureOut">
               <a:rPr lang="en-US" dirty="0"/>
               <a:pPr/>
-              <a:t>11/12/2021</a:t>
+              <a:t>4/7/2022</a:t>
             </a:fld>
             <a:endParaRPr lang="en-US" dirty="0"/>
           </a:p>
@@ -9667,7 +9769,7 @@
             <a:fld id="{B61BEF0D-F0BB-DE4B-95CE-6DB70DBA9567}" type="datetimeFigureOut">
               <a:rPr lang="en-US" dirty="0"/>
               <a:pPr/>
-              <a:t>11/12/2021</a:t>
+              <a:t>4/7/2022</a:t>
             </a:fld>
             <a:endParaRPr lang="en-US" dirty="0"/>
           </a:p>
@@ -10754,6 +10856,626 @@
     <p:bg>
       <p:bgPr>
         <a:solidFill>
+          <a:schemeClr val="bg2"/>
+        </a:solidFill>
+        <a:effectLst/>
+      </p:bgPr>
+    </p:bg>
+    <p:spTree>
+      <p:nvGrpSpPr>
+        <p:cNvPr id="1" name=""/>
+        <p:cNvGrpSpPr/>
+        <p:nvPr/>
+      </p:nvGrpSpPr>
+      <p:grpSpPr>
+        <a:xfrm>
+          <a:off x="0" y="0"/>
+          <a:ext cx="0" cy="0"/>
+          <a:chOff x="0" y="0"/>
+          <a:chExt cx="0" cy="0"/>
+        </a:xfrm>
+      </p:grpSpPr>
+      <p:sp>
+        <p:nvSpPr>
+          <p:cNvPr id="32" name="Rectangle 31">
+            <a:extLst>
+              <a:ext uri="{FF2B5EF4-FFF2-40B4-BE49-F238E27FC236}">
+                <a16:creationId xmlns:a16="http://schemas.microsoft.com/office/drawing/2014/main" id="{E9AA9F65-94B8-41A5-A7FF-23D2CFB116BB}"/>
+              </a:ext>
+              <a:ext uri="{C183D7F6-B498-43B3-948B-1728B52AA6E4}">
+                <adec:decorative xmlns:adec="http://schemas.microsoft.com/office/drawing/2017/decorative" val="1"/>
+              </a:ext>
+            </a:extLst>
+          </p:cNvPr>
+          <p:cNvSpPr>
+            <a:spLocks noGrp="1" noRot="1" noChangeAspect="1" noMove="1" noResize="1" noEditPoints="1" noAdjustHandles="1" noChangeArrowheads="1" noChangeShapeType="1" noTextEdit="1"/>
+          </p:cNvSpPr>
+          <p:nvPr>
+            <p:extLst>
+              <p:ext uri="{386F3935-93C4-4BCD-93E2-E3B085C9AB24}">
+                <p16:designElem xmlns:p16="http://schemas.microsoft.com/office/powerpoint/2015/main" val="1"/>
+              </p:ext>
+            </p:extLst>
+          </p:nvPr>
+        </p:nvSpPr>
+        <p:spPr>
+          <a:xfrm>
+            <a:off x="446534" y="457200"/>
+            <a:ext cx="3703320" cy="94997"/>
+          </a:xfrm>
+          <a:prstGeom prst="rect">
+            <a:avLst/>
+          </a:prstGeom>
+          <a:solidFill>
+            <a:schemeClr val="accent1"/>
+          </a:solidFill>
+          <a:ln>
+            <a:noFill/>
+          </a:ln>
+          <a:effectLst/>
+        </p:spPr>
+        <p:style>
+          <a:lnRef idx="1">
+            <a:schemeClr val="accent1"/>
+          </a:lnRef>
+          <a:fillRef idx="3">
+            <a:schemeClr val="accent1"/>
+          </a:fillRef>
+          <a:effectRef idx="2">
+            <a:schemeClr val="accent1"/>
+          </a:effectRef>
+          <a:fontRef idx="minor">
+            <a:schemeClr val="lt1"/>
+          </a:fontRef>
+        </p:style>
+      </p:sp>
+      <p:sp>
+        <p:nvSpPr>
+          <p:cNvPr id="34" name="Rectangle 33">
+            <a:extLst>
+              <a:ext uri="{FF2B5EF4-FFF2-40B4-BE49-F238E27FC236}">
+                <a16:creationId xmlns:a16="http://schemas.microsoft.com/office/drawing/2014/main" id="{7E8B0F8E-3F6C-4541-B9C1-774D80A08834}"/>
+              </a:ext>
+              <a:ext uri="{C183D7F6-B498-43B3-948B-1728B52AA6E4}">
+                <adec:decorative xmlns:adec="http://schemas.microsoft.com/office/drawing/2017/decorative" val="1"/>
+              </a:ext>
+            </a:extLst>
+          </p:cNvPr>
+          <p:cNvSpPr>
+            <a:spLocks noGrp="1" noRot="1" noChangeAspect="1" noMove="1" noResize="1" noEditPoints="1" noAdjustHandles="1" noChangeArrowheads="1" noChangeShapeType="1" noTextEdit="1"/>
+          </p:cNvSpPr>
+          <p:nvPr>
+            <p:extLst>
+              <p:ext uri="{386F3935-93C4-4BCD-93E2-E3B085C9AB24}">
+                <p16:designElem xmlns:p16="http://schemas.microsoft.com/office/powerpoint/2015/main" val="1"/>
+              </p:ext>
+            </p:extLst>
+          </p:nvPr>
+        </p:nvSpPr>
+        <p:spPr>
+          <a:xfrm>
+            <a:off x="8042147" y="453643"/>
+            <a:ext cx="3703320" cy="98554"/>
+          </a:xfrm>
+          <a:prstGeom prst="rect">
+            <a:avLst/>
+          </a:prstGeom>
+          <a:solidFill>
+            <a:schemeClr val="accent4"/>
+          </a:solidFill>
+          <a:ln>
+            <a:noFill/>
+          </a:ln>
+          <a:effectLst/>
+        </p:spPr>
+        <p:style>
+          <a:lnRef idx="1">
+            <a:schemeClr val="accent1"/>
+          </a:lnRef>
+          <a:fillRef idx="3">
+            <a:schemeClr val="accent1"/>
+          </a:fillRef>
+          <a:effectRef idx="2">
+            <a:schemeClr val="accent1"/>
+          </a:effectRef>
+          <a:fontRef idx="minor">
+            <a:schemeClr val="lt1"/>
+          </a:fontRef>
+        </p:style>
+      </p:sp>
+      <p:sp>
+        <p:nvSpPr>
+          <p:cNvPr id="36" name="Rectangle 35">
+            <a:extLst>
+              <a:ext uri="{FF2B5EF4-FFF2-40B4-BE49-F238E27FC236}">
+                <a16:creationId xmlns:a16="http://schemas.microsoft.com/office/drawing/2014/main" id="{7A45F5BC-32D1-41CD-B270-C46F18CA1ACC}"/>
+              </a:ext>
+              <a:ext uri="{C183D7F6-B498-43B3-948B-1728B52AA6E4}">
+                <adec:decorative xmlns:adec="http://schemas.microsoft.com/office/drawing/2017/decorative" val="1"/>
+              </a:ext>
+            </a:extLst>
+          </p:cNvPr>
+          <p:cNvSpPr>
+            <a:spLocks noGrp="1" noRot="1" noChangeAspect="1" noMove="1" noResize="1" noEditPoints="1" noAdjustHandles="1" noChangeArrowheads="1" noChangeShapeType="1" noTextEdit="1"/>
+          </p:cNvSpPr>
+          <p:nvPr>
+            <p:extLst>
+              <p:ext uri="{386F3935-93C4-4BCD-93E2-E3B085C9AB24}">
+                <p16:designElem xmlns:p16="http://schemas.microsoft.com/office/powerpoint/2015/main" val="1"/>
+              </p:ext>
+            </p:extLst>
+          </p:nvPr>
+        </p:nvSpPr>
+        <p:spPr>
+          <a:xfrm>
+            <a:off x="4241830" y="457200"/>
+            <a:ext cx="3703320" cy="91440"/>
+          </a:xfrm>
+          <a:prstGeom prst="rect">
+            <a:avLst/>
+          </a:prstGeom>
+          <a:solidFill>
+            <a:schemeClr val="accent2"/>
+          </a:solidFill>
+          <a:ln>
+            <a:noFill/>
+          </a:ln>
+          <a:effectLst/>
+        </p:spPr>
+        <p:style>
+          <a:lnRef idx="1">
+            <a:schemeClr val="accent1"/>
+          </a:lnRef>
+          <a:fillRef idx="3">
+            <a:schemeClr val="accent1"/>
+          </a:fillRef>
+          <a:effectRef idx="2">
+            <a:schemeClr val="accent1"/>
+          </a:effectRef>
+          <a:fontRef idx="minor">
+            <a:schemeClr val="lt1"/>
+          </a:fontRef>
+        </p:style>
+      </p:sp>
+      <p:sp>
+        <p:nvSpPr>
+          <p:cNvPr id="38" name="Rectangle 37">
+            <a:extLst>
+              <a:ext uri="{FF2B5EF4-FFF2-40B4-BE49-F238E27FC236}">
+                <a16:creationId xmlns:a16="http://schemas.microsoft.com/office/drawing/2014/main" id="{CE57EE13-72B0-4FFA-ACE1-EBDE89340E47}"/>
+              </a:ext>
+              <a:ext uri="{C183D7F6-B498-43B3-948B-1728B52AA6E4}">
+                <adec:decorative xmlns:adec="http://schemas.microsoft.com/office/drawing/2017/decorative" val="1"/>
+              </a:ext>
+            </a:extLst>
+          </p:cNvPr>
+          <p:cNvSpPr>
+            <a:spLocks noGrp="1" noRot="1" noChangeAspect="1" noMove="1" noResize="1" noEditPoints="1" noAdjustHandles="1" noChangeArrowheads="1" noChangeShapeType="1" noTextEdit="1"/>
+          </p:cNvSpPr>
+          <p:nvPr>
+            <p:extLst>
+              <p:ext uri="{386F3935-93C4-4BCD-93E2-E3B085C9AB24}">
+                <p16:designElem xmlns:p16="http://schemas.microsoft.com/office/powerpoint/2015/main" val="1"/>
+              </p:ext>
+            </p:extLst>
+          </p:nvPr>
+        </p:nvSpPr>
+        <p:spPr>
+          <a:xfrm>
+            <a:off x="446534" y="3085765"/>
+            <a:ext cx="11262866" cy="3304800"/>
+          </a:xfrm>
+          <a:prstGeom prst="rect">
+            <a:avLst/>
+          </a:prstGeom>
+          <a:solidFill>
+            <a:schemeClr val="accent1"/>
+          </a:solidFill>
+          <a:ln>
+            <a:noFill/>
+          </a:ln>
+          <a:effectLst/>
+        </p:spPr>
+        <p:style>
+          <a:lnRef idx="1">
+            <a:schemeClr val="accent1"/>
+          </a:lnRef>
+          <a:fillRef idx="3">
+            <a:schemeClr val="accent1"/>
+          </a:fillRef>
+          <a:effectRef idx="2">
+            <a:schemeClr val="accent1"/>
+          </a:effectRef>
+          <a:fontRef idx="minor">
+            <a:schemeClr val="lt1"/>
+          </a:fontRef>
+        </p:style>
+      </p:sp>
+      <p:sp useBgFill="1">
+        <p:nvSpPr>
+          <p:cNvPr id="40" name="Rectangle 39">
+            <a:extLst>
+              <a:ext uri="{FF2B5EF4-FFF2-40B4-BE49-F238E27FC236}">
+                <a16:creationId xmlns:a16="http://schemas.microsoft.com/office/drawing/2014/main" id="{328C565D-A991-4381-AC37-76A58A4A128F}"/>
+              </a:ext>
+              <a:ext uri="{C183D7F6-B498-43B3-948B-1728B52AA6E4}">
+                <adec:decorative xmlns:adec="http://schemas.microsoft.com/office/drawing/2017/decorative" val="1"/>
+              </a:ext>
+            </a:extLst>
+          </p:cNvPr>
+          <p:cNvSpPr>
+            <a:spLocks noGrp="1" noRot="1" noChangeAspect="1" noMove="1" noResize="1" noEditPoints="1" noAdjustHandles="1" noChangeArrowheads="1" noChangeShapeType="1" noTextEdit="1"/>
+          </p:cNvSpPr>
+          <p:nvPr>
+            <p:extLst>
+              <p:ext uri="{386F3935-93C4-4BCD-93E2-E3B085C9AB24}">
+                <p16:designElem xmlns:p16="http://schemas.microsoft.com/office/powerpoint/2015/main" val="1"/>
+              </p:ext>
+            </p:extLst>
+          </p:nvPr>
+        </p:nvSpPr>
+        <p:spPr>
+          <a:xfrm>
+            <a:off x="0" y="0"/>
+            <a:ext cx="12192000" cy="6858000"/>
+          </a:xfrm>
+          <a:prstGeom prst="rect">
+            <a:avLst/>
+          </a:prstGeom>
+          <a:ln>
+            <a:noFill/>
+          </a:ln>
+        </p:spPr>
+        <p:style>
+          <a:lnRef idx="2">
+            <a:schemeClr val="accent1">
+              <a:shade val="50000"/>
+            </a:schemeClr>
+          </a:lnRef>
+          <a:fillRef idx="1">
+            <a:schemeClr val="accent1"/>
+          </a:fillRef>
+          <a:effectRef idx="0">
+            <a:schemeClr val="accent1"/>
+          </a:effectRef>
+          <a:fontRef idx="minor">
+            <a:schemeClr val="lt1"/>
+          </a:fontRef>
+        </p:style>
+        <p:txBody>
+          <a:bodyPr rtlCol="0" anchor="ctr"/>
+          <a:lstStyle/>
+          <a:p>
+            <a:pPr algn="ctr"/>
+            <a:endParaRPr lang="en-US"/>
+          </a:p>
+        </p:txBody>
+      </p:sp>
+      <p:sp>
+        <p:nvSpPr>
+          <p:cNvPr id="2" name="Title 1">
+            <a:extLst>
+              <a:ext uri="{FF2B5EF4-FFF2-40B4-BE49-F238E27FC236}">
+                <a16:creationId xmlns:a16="http://schemas.microsoft.com/office/drawing/2014/main" id="{BBE221C7-2EF9-4D0C-A6F8-862E900C7474}"/>
+              </a:ext>
+            </a:extLst>
+          </p:cNvPr>
+          <p:cNvSpPr>
+            <a:spLocks noGrp="1"/>
+          </p:cNvSpPr>
+          <p:nvPr>
+            <p:ph type="title"/>
+          </p:nvPr>
+        </p:nvSpPr>
+        <p:spPr>
+          <a:xfrm>
+            <a:off x="4449960" y="1507414"/>
+            <a:ext cx="7295507" cy="3703320"/>
+          </a:xfrm>
+        </p:spPr>
+        <p:txBody>
+          <a:bodyPr vert="horz" lIns="91440" tIns="45720" rIns="91440" bIns="45720" rtlCol="0" anchor="ctr">
+            <a:normAutofit/>
+          </a:bodyPr>
+          <a:lstStyle/>
+          <a:p>
+            <a:r>
+              <a:rPr lang="en-US" sz="4800">
+                <a:solidFill>
+                  <a:schemeClr val="tx2"/>
+                </a:solidFill>
+              </a:rPr>
+              <a:t>Offensive Python with requests</a:t>
+            </a:r>
+          </a:p>
+        </p:txBody>
+      </p:sp>
+      <p:sp>
+        <p:nvSpPr>
+          <p:cNvPr id="42" name="Rectangle 41">
+            <a:extLst>
+              <a:ext uri="{FF2B5EF4-FFF2-40B4-BE49-F238E27FC236}">
+                <a16:creationId xmlns:a16="http://schemas.microsoft.com/office/drawing/2014/main" id="{B7180431-F4DE-415D-BCBB-9316423C37C1}"/>
+              </a:ext>
+              <a:ext uri="{C183D7F6-B498-43B3-948B-1728B52AA6E4}">
+                <adec:decorative xmlns:adec="http://schemas.microsoft.com/office/drawing/2017/decorative" val="1"/>
+              </a:ext>
+            </a:extLst>
+          </p:cNvPr>
+          <p:cNvSpPr>
+            <a:spLocks noGrp="1" noRot="1" noChangeAspect="1" noMove="1" noResize="1" noEditPoints="1" noAdjustHandles="1" noChangeArrowheads="1" noChangeShapeType="1" noTextEdit="1"/>
+          </p:cNvSpPr>
+          <p:nvPr>
+            <p:extLst>
+              <p:ext uri="{386F3935-93C4-4BCD-93E2-E3B085C9AB24}">
+                <p16:designElem xmlns:p16="http://schemas.microsoft.com/office/powerpoint/2015/main" val="1"/>
+              </p:ext>
+            </p:extLst>
+          </p:nvPr>
+        </p:nvSpPr>
+        <p:spPr>
+          <a:xfrm>
+            <a:off x="446534" y="453642"/>
+            <a:ext cx="11298933" cy="512708"/>
+          </a:xfrm>
+          <a:prstGeom prst="rect">
+            <a:avLst/>
+          </a:prstGeom>
+          <a:solidFill>
+            <a:schemeClr val="accent4"/>
+          </a:solidFill>
+          <a:ln>
+            <a:noFill/>
+          </a:ln>
+          <a:effectLst/>
+        </p:spPr>
+        <p:style>
+          <a:lnRef idx="1">
+            <a:schemeClr val="accent1"/>
+          </a:lnRef>
+          <a:fillRef idx="3">
+            <a:schemeClr val="accent1"/>
+          </a:fillRef>
+          <a:effectRef idx="2">
+            <a:schemeClr val="accent1"/>
+          </a:effectRef>
+          <a:fontRef idx="minor">
+            <a:schemeClr val="lt1"/>
+          </a:fontRef>
+        </p:style>
+      </p:sp>
+      <p:sp>
+        <p:nvSpPr>
+          <p:cNvPr id="44" name="Rectangle 43">
+            <a:extLst>
+              <a:ext uri="{FF2B5EF4-FFF2-40B4-BE49-F238E27FC236}">
+                <a16:creationId xmlns:a16="http://schemas.microsoft.com/office/drawing/2014/main" id="{EEABD997-5EF9-4E9B-AFBB-F6DFAAF3ADF0}"/>
+              </a:ext>
+              <a:ext uri="{C183D7F6-B498-43B3-948B-1728B52AA6E4}">
+                <adec:decorative xmlns:adec="http://schemas.microsoft.com/office/drawing/2017/decorative" val="1"/>
+              </a:ext>
+            </a:extLst>
+          </p:cNvPr>
+          <p:cNvSpPr>
+            <a:spLocks noGrp="1" noRot="1" noChangeAspect="1" noMove="1" noResize="1" noEditPoints="1" noAdjustHandles="1" noChangeArrowheads="1" noChangeShapeType="1" noTextEdit="1"/>
+          </p:cNvSpPr>
+          <p:nvPr>
+            <p:extLst>
+              <p:ext uri="{386F3935-93C4-4BCD-93E2-E3B085C9AB24}">
+                <p16:designElem xmlns:p16="http://schemas.microsoft.com/office/powerpoint/2015/main" val="1"/>
+              </p:ext>
+            </p:extLst>
+          </p:nvPr>
+        </p:nvSpPr>
+        <p:spPr>
+          <a:xfrm rot="16200000" flipV="1">
+            <a:off x="2209064" y="3329711"/>
+            <a:ext cx="3703320" cy="58726"/>
+          </a:xfrm>
+          <a:prstGeom prst="rect">
+            <a:avLst/>
+          </a:prstGeom>
+          <a:solidFill>
+            <a:schemeClr val="accent2"/>
+          </a:solidFill>
+          <a:ln>
+            <a:noFill/>
+          </a:ln>
+          <a:effectLst/>
+        </p:spPr>
+        <p:style>
+          <a:lnRef idx="1">
+            <a:schemeClr val="accent1"/>
+          </a:lnRef>
+          <a:fillRef idx="3">
+            <a:schemeClr val="accent1"/>
+          </a:fillRef>
+          <a:effectRef idx="2">
+            <a:schemeClr val="accent1"/>
+          </a:effectRef>
+          <a:fontRef idx="minor">
+            <a:schemeClr val="lt1"/>
+          </a:fontRef>
+        </p:style>
+      </p:sp>
+      <p:sp>
+        <p:nvSpPr>
+          <p:cNvPr id="46" name="Rectangle 45">
+            <a:extLst>
+              <a:ext uri="{FF2B5EF4-FFF2-40B4-BE49-F238E27FC236}">
+                <a16:creationId xmlns:a16="http://schemas.microsoft.com/office/drawing/2014/main" id="{E9AB5EE6-A047-4B18-B998-D46DF3CC36FE}"/>
+              </a:ext>
+              <a:ext uri="{C183D7F6-B498-43B3-948B-1728B52AA6E4}">
+                <adec:decorative xmlns:adec="http://schemas.microsoft.com/office/drawing/2017/decorative" val="1"/>
+              </a:ext>
+            </a:extLst>
+          </p:cNvPr>
+          <p:cNvSpPr>
+            <a:spLocks noGrp="1" noRot="1" noChangeAspect="1" noMove="1" noResize="1" noEditPoints="1" noAdjustHandles="1" noChangeArrowheads="1" noChangeShapeType="1" noTextEdit="1"/>
+          </p:cNvSpPr>
+          <p:nvPr>
+            <p:extLst>
+              <p:ext uri="{386F3935-93C4-4BCD-93E2-E3B085C9AB24}">
+                <p16:designElem xmlns:p16="http://schemas.microsoft.com/office/powerpoint/2015/main" val="1"/>
+              </p:ext>
+            </p:extLst>
+          </p:nvPr>
+        </p:nvSpPr>
+        <p:spPr>
+          <a:xfrm>
+            <a:off x="446534" y="5878019"/>
+            <a:ext cx="11298933" cy="512708"/>
+          </a:xfrm>
+          <a:prstGeom prst="rect">
+            <a:avLst/>
+          </a:prstGeom>
+          <a:solidFill>
+            <a:schemeClr val="accent4"/>
+          </a:solidFill>
+          <a:ln>
+            <a:noFill/>
+          </a:ln>
+          <a:effectLst/>
+        </p:spPr>
+        <p:style>
+          <a:lnRef idx="1">
+            <a:schemeClr val="accent1"/>
+          </a:lnRef>
+          <a:fillRef idx="3">
+            <a:schemeClr val="accent1"/>
+          </a:fillRef>
+          <a:effectRef idx="2">
+            <a:schemeClr val="accent1"/>
+          </a:effectRef>
+          <a:fontRef idx="minor">
+            <a:schemeClr val="lt1"/>
+          </a:fontRef>
+        </p:style>
+      </p:sp>
+    </p:spTree>
+    <p:extLst>
+      <p:ext uri="{BB962C8B-B14F-4D97-AF65-F5344CB8AC3E}">
+        <p14:creationId xmlns:p14="http://schemas.microsoft.com/office/powerpoint/2010/main" val="2020966684"/>
+      </p:ext>
+    </p:extLst>
+  </p:cSld>
+  <p:clrMapOvr>
+    <a:overrideClrMapping bg1="dk1" tx1="lt1" bg2="dk2" tx2="lt2" accent1="accent1" accent2="accent2" accent3="accent3" accent4="accent4" accent5="accent5" accent6="accent6" hlink="hlink" folHlink="folHlink"/>
+  </p:clrMapOvr>
+</p:sld>
+</file>
+
+<file path=ppt/slides/slide11.xml><?xml version="1.0" encoding="utf-8"?>
+<p:sld xmlns:a="http://schemas.openxmlformats.org/drawingml/2006/main" xmlns:r="http://schemas.openxmlformats.org/officeDocument/2006/relationships" xmlns:p="http://schemas.openxmlformats.org/presentationml/2006/main">
+  <p:cSld>
+    <p:spTree>
+      <p:nvGrpSpPr>
+        <p:cNvPr id="1" name=""/>
+        <p:cNvGrpSpPr/>
+        <p:nvPr/>
+      </p:nvGrpSpPr>
+      <p:grpSpPr>
+        <a:xfrm>
+          <a:off x="0" y="0"/>
+          <a:ext cx="0" cy="0"/>
+          <a:chOff x="0" y="0"/>
+          <a:chExt cx="0" cy="0"/>
+        </a:xfrm>
+      </p:grpSpPr>
+      <p:sp>
+        <p:nvSpPr>
+          <p:cNvPr id="2" name="Title 1">
+            <a:extLst>
+              <a:ext uri="{FF2B5EF4-FFF2-40B4-BE49-F238E27FC236}">
+                <a16:creationId xmlns:a16="http://schemas.microsoft.com/office/drawing/2014/main" id="{BBE221C7-2EF9-4D0C-A6F8-862E900C7474}"/>
+              </a:ext>
+            </a:extLst>
+          </p:cNvPr>
+          <p:cNvSpPr>
+            <a:spLocks noGrp="1"/>
+          </p:cNvSpPr>
+          <p:nvPr>
+            <p:ph type="title"/>
+          </p:nvPr>
+        </p:nvSpPr>
+        <p:spPr/>
+        <p:txBody>
+          <a:bodyPr/>
+          <a:lstStyle/>
+          <a:p>
+            <a:pPr algn="ctr"/>
+            <a:r>
+              <a:rPr lang="en-GB" dirty="0"/>
+              <a:t>Offensive Python with requests</a:t>
+            </a:r>
+          </a:p>
+        </p:txBody>
+      </p:sp>
+      <p:sp>
+        <p:nvSpPr>
+          <p:cNvPr id="3" name="Content Placeholder 2">
+            <a:extLst>
+              <a:ext uri="{FF2B5EF4-FFF2-40B4-BE49-F238E27FC236}">
+                <a16:creationId xmlns:a16="http://schemas.microsoft.com/office/drawing/2014/main" id="{F3AEEC9F-D8A3-4063-B5FA-6661BFB844DE}"/>
+              </a:ext>
+            </a:extLst>
+          </p:cNvPr>
+          <p:cNvSpPr>
+            <a:spLocks noGrp="1"/>
+          </p:cNvSpPr>
+          <p:nvPr>
+            <p:ph idx="1"/>
+          </p:nvPr>
+        </p:nvSpPr>
+        <p:spPr/>
+        <p:txBody>
+          <a:bodyPr/>
+          <a:lstStyle/>
+          <a:p>
+            <a:r>
+              <a:rPr lang="en-GB" dirty="0"/>
+              <a:t>During a penetration test, an HTTPS endpoint was found to be responding in a certain way based on known/unknown usernames of target infrastructure.</a:t>
+            </a:r>
+          </a:p>
+          <a:p>
+            <a:endParaRPr lang="en-GB" dirty="0"/>
+          </a:p>
+          <a:p>
+            <a:r>
+              <a:rPr lang="en-GB" dirty="0"/>
+              <a:t>Such a situation can warrant exploit development which is what was done for this particular case.</a:t>
+            </a:r>
+          </a:p>
+          <a:p>
+            <a:endParaRPr lang="en-GB" dirty="0"/>
+          </a:p>
+          <a:p>
+            <a:r>
+              <a:rPr lang="en-GB" dirty="0"/>
+              <a:t>This resulted in username harvesting from the HTTPS endpoint.</a:t>
+            </a:r>
+          </a:p>
+        </p:txBody>
+      </p:sp>
+    </p:spTree>
+    <p:extLst>
+      <p:ext uri="{BB962C8B-B14F-4D97-AF65-F5344CB8AC3E}">
+        <p14:creationId xmlns:p14="http://schemas.microsoft.com/office/powerpoint/2010/main" val="2189599499"/>
+      </p:ext>
+    </p:extLst>
+  </p:cSld>
+  <p:clrMapOvr>
+    <a:masterClrMapping/>
+  </p:clrMapOvr>
+</p:sld>
+</file>
+
+<file path=ppt/slides/slide12.xml><?xml version="1.0" encoding="utf-8"?>
+<p:sld xmlns:a="http://schemas.openxmlformats.org/drawingml/2006/main" xmlns:r="http://schemas.openxmlformats.org/officeDocument/2006/relationships" xmlns:p="http://schemas.openxmlformats.org/presentationml/2006/main">
+  <p:cSld>
+    <p:bg>
+      <p:bgPr>
+        <a:solidFill>
           <a:schemeClr val="bg1"/>
         </a:solidFill>
         <a:effectLst/>
@@ -10773,12 +11495,12 @@
           <a:chExt cx="0" cy="0"/>
         </a:xfrm>
       </p:grpSpPr>
-      <p:sp>
-        <p:nvSpPr>
-          <p:cNvPr id="73" name="Rectangle 72">
+      <p:sp useBgFill="1">
+        <p:nvSpPr>
+          <p:cNvPr id="23" name="Rectangle 22">
             <a:extLst>
               <a:ext uri="{FF2B5EF4-FFF2-40B4-BE49-F238E27FC236}">
-                <a16:creationId xmlns:a16="http://schemas.microsoft.com/office/drawing/2014/main" id="{2928117C-9446-4E7F-AE62-95E0F6DB5B27}"/>
+                <a16:creationId xmlns:a16="http://schemas.microsoft.com/office/drawing/2014/main" id="{00401440-1DC9-4C9E-A3BA-4DECEEB46503}"/>
               </a:ext>
               <a:ext uri="{C183D7F6-B498-43B3-948B-1728B52AA6E4}">
                 <adec:decorative xmlns:adec="http://schemas.microsoft.com/office/drawing/2017/decorative" val="1"/>
@@ -10798,224 +11520,8 @@
         </p:nvSpPr>
         <p:spPr>
           <a:xfrm>
-            <a:off x="446534" y="457200"/>
-            <a:ext cx="3703320" cy="94997"/>
-          </a:xfrm>
-          <a:prstGeom prst="rect">
-            <a:avLst/>
-          </a:prstGeom>
-          <a:solidFill>
-            <a:schemeClr val="accent1"/>
-          </a:solidFill>
-          <a:ln>
-            <a:noFill/>
-          </a:ln>
-          <a:effectLst/>
-        </p:spPr>
-        <p:style>
-          <a:lnRef idx="1">
-            <a:schemeClr val="accent1"/>
-          </a:lnRef>
-          <a:fillRef idx="3">
-            <a:schemeClr val="accent1"/>
-          </a:fillRef>
-          <a:effectRef idx="2">
-            <a:schemeClr val="accent1"/>
-          </a:effectRef>
-          <a:fontRef idx="minor">
-            <a:schemeClr val="lt1"/>
-          </a:fontRef>
-        </p:style>
-      </p:sp>
-      <p:sp>
-        <p:nvSpPr>
-          <p:cNvPr id="75" name="Rectangle 74">
-            <a:extLst>
-              <a:ext uri="{FF2B5EF4-FFF2-40B4-BE49-F238E27FC236}">
-                <a16:creationId xmlns:a16="http://schemas.microsoft.com/office/drawing/2014/main" id="{84D30AFB-4D71-48B0-AA00-28EE92363A5F}"/>
-              </a:ext>
-              <a:ext uri="{C183D7F6-B498-43B3-948B-1728B52AA6E4}">
-                <adec:decorative xmlns:adec="http://schemas.microsoft.com/office/drawing/2017/decorative" val="1"/>
-              </a:ext>
-            </a:extLst>
-          </p:cNvPr>
-          <p:cNvSpPr>
-            <a:spLocks noGrp="1" noRot="1" noChangeAspect="1" noMove="1" noResize="1" noEditPoints="1" noAdjustHandles="1" noChangeArrowheads="1" noChangeShapeType="1" noTextEdit="1"/>
-          </p:cNvSpPr>
-          <p:nvPr>
-            <p:extLst>
-              <p:ext uri="{386F3935-93C4-4BCD-93E2-E3B085C9AB24}">
-                <p16:designElem xmlns:p16="http://schemas.microsoft.com/office/powerpoint/2015/main" val="1"/>
-              </p:ext>
-            </p:extLst>
-          </p:nvPr>
-        </p:nvSpPr>
-        <p:spPr>
-          <a:xfrm>
-            <a:off x="8042147" y="453643"/>
-            <a:ext cx="3703320" cy="98554"/>
-          </a:xfrm>
-          <a:prstGeom prst="rect">
-            <a:avLst/>
-          </a:prstGeom>
-          <a:solidFill>
-            <a:schemeClr val="accent4"/>
-          </a:solidFill>
-          <a:ln>
-            <a:noFill/>
-          </a:ln>
-          <a:effectLst/>
-        </p:spPr>
-        <p:style>
-          <a:lnRef idx="1">
-            <a:schemeClr val="accent1"/>
-          </a:lnRef>
-          <a:fillRef idx="3">
-            <a:schemeClr val="accent1"/>
-          </a:fillRef>
-          <a:effectRef idx="2">
-            <a:schemeClr val="accent1"/>
-          </a:effectRef>
-          <a:fontRef idx="minor">
-            <a:schemeClr val="lt1"/>
-          </a:fontRef>
-        </p:style>
-      </p:sp>
-      <p:sp>
-        <p:nvSpPr>
-          <p:cNvPr id="77" name="Rectangle 76">
-            <a:extLst>
-              <a:ext uri="{FF2B5EF4-FFF2-40B4-BE49-F238E27FC236}">
-                <a16:creationId xmlns:a16="http://schemas.microsoft.com/office/drawing/2014/main" id="{96A0B76F-8010-4C62-B4B6-C5FC438C059E}"/>
-              </a:ext>
-              <a:ext uri="{C183D7F6-B498-43B3-948B-1728B52AA6E4}">
-                <adec:decorative xmlns:adec="http://schemas.microsoft.com/office/drawing/2017/decorative" val="1"/>
-              </a:ext>
-            </a:extLst>
-          </p:cNvPr>
-          <p:cNvSpPr>
-            <a:spLocks noGrp="1" noRot="1" noChangeAspect="1" noMove="1" noResize="1" noEditPoints="1" noAdjustHandles="1" noChangeArrowheads="1" noChangeShapeType="1" noTextEdit="1"/>
-          </p:cNvSpPr>
-          <p:nvPr>
-            <p:extLst>
-              <p:ext uri="{386F3935-93C4-4BCD-93E2-E3B085C9AB24}">
-                <p16:designElem xmlns:p16="http://schemas.microsoft.com/office/powerpoint/2015/main" val="1"/>
-              </p:ext>
-            </p:extLst>
-          </p:nvPr>
-        </p:nvSpPr>
-        <p:spPr>
-          <a:xfrm>
-            <a:off x="4241830" y="457200"/>
-            <a:ext cx="3703320" cy="91440"/>
-          </a:xfrm>
-          <a:prstGeom prst="rect">
-            <a:avLst/>
-          </a:prstGeom>
-          <a:solidFill>
-            <a:schemeClr val="accent2"/>
-          </a:solidFill>
-          <a:ln>
-            <a:noFill/>
-          </a:ln>
-          <a:effectLst/>
-        </p:spPr>
-        <p:style>
-          <a:lnRef idx="1">
-            <a:schemeClr val="accent1"/>
-          </a:lnRef>
-          <a:fillRef idx="3">
-            <a:schemeClr val="accent1"/>
-          </a:fillRef>
-          <a:effectRef idx="2">
-            <a:schemeClr val="accent1"/>
-          </a:effectRef>
-          <a:fontRef idx="minor">
-            <a:schemeClr val="lt1"/>
-          </a:fontRef>
-        </p:style>
-      </p:sp>
-      <p:sp>
-        <p:nvSpPr>
-          <p:cNvPr id="79" name="Rectangle 78">
-            <a:extLst>
-              <a:ext uri="{FF2B5EF4-FFF2-40B4-BE49-F238E27FC236}">
-                <a16:creationId xmlns:a16="http://schemas.microsoft.com/office/drawing/2014/main" id="{9FC936C0-4624-438D-BDD0-6B296BD6409D}"/>
-              </a:ext>
-              <a:ext uri="{C183D7F6-B498-43B3-948B-1728B52AA6E4}">
-                <adec:decorative xmlns:adec="http://schemas.microsoft.com/office/drawing/2017/decorative" val="1"/>
-              </a:ext>
-            </a:extLst>
-          </p:cNvPr>
-          <p:cNvSpPr>
-            <a:spLocks noGrp="1" noRot="1" noChangeAspect="1" noMove="1" noResize="1" noEditPoints="1" noAdjustHandles="1" noChangeArrowheads="1" noChangeShapeType="1" noTextEdit="1"/>
-          </p:cNvSpPr>
-          <p:nvPr>
-            <p:extLst>
-              <p:ext uri="{386F3935-93C4-4BCD-93E2-E3B085C9AB24}">
-                <p16:designElem xmlns:p16="http://schemas.microsoft.com/office/powerpoint/2015/main" val="1"/>
-              </p:ext>
-            </p:extLst>
-          </p:nvPr>
-        </p:nvSpPr>
-        <p:spPr>
-          <a:xfrm>
-            <a:off x="446534" y="3085765"/>
-            <a:ext cx="11262866" cy="3304800"/>
-          </a:xfrm>
-          <a:prstGeom prst="rect">
-            <a:avLst/>
-          </a:prstGeom>
-          <a:solidFill>
-            <a:schemeClr val="accent1"/>
-          </a:solidFill>
-          <a:ln>
-            <a:noFill/>
-          </a:ln>
-          <a:effectLst/>
-        </p:spPr>
-        <p:style>
-          <a:lnRef idx="1">
-            <a:schemeClr val="accent1"/>
-          </a:lnRef>
-          <a:fillRef idx="3">
-            <a:schemeClr val="accent1"/>
-          </a:fillRef>
-          <a:effectRef idx="2">
-            <a:schemeClr val="accent1"/>
-          </a:effectRef>
-          <a:fontRef idx="minor">
-            <a:schemeClr val="lt1"/>
-          </a:fontRef>
-        </p:style>
-      </p:sp>
-      <p:sp useBgFill="1">
-        <p:nvSpPr>
-          <p:cNvPr id="81" name="Rectangle 80">
-            <a:extLst>
-              <a:ext uri="{FF2B5EF4-FFF2-40B4-BE49-F238E27FC236}">
-                <a16:creationId xmlns:a16="http://schemas.microsoft.com/office/drawing/2014/main" id="{52A5E297-FCC0-4CBB-B0F2-AD10B61FABD2}"/>
-              </a:ext>
-              <a:ext uri="{C183D7F6-B498-43B3-948B-1728B52AA6E4}">
-                <adec:decorative xmlns:adec="http://schemas.microsoft.com/office/drawing/2017/decorative" val="1"/>
-              </a:ext>
-            </a:extLst>
-          </p:cNvPr>
-          <p:cNvSpPr>
-            <a:spLocks noGrp="1" noRot="1" noChangeAspect="1" noMove="1" noResize="1" noEditPoints="1" noAdjustHandles="1" noChangeArrowheads="1" noChangeShapeType="1" noTextEdit="1"/>
-          </p:cNvSpPr>
-          <p:nvPr>
-            <p:extLst>
-              <p:ext uri="{386F3935-93C4-4BCD-93E2-E3B085C9AB24}">
-                <p16:designElem xmlns:p16="http://schemas.microsoft.com/office/powerpoint/2015/main" val="1"/>
-              </p:ext>
-            </p:extLst>
-          </p:nvPr>
-        </p:nvSpPr>
-        <p:spPr>
-          <a:xfrm>
-            <a:off x="0" y="1"/>
-            <a:ext cx="12191999" cy="6858000"/>
+            <a:off x="0" y="0"/>
+            <a:ext cx="12192000" cy="6858000"/>
           </a:xfrm>
           <a:prstGeom prst="rect">
             <a:avLst/>
@@ -11049,12 +11555,42 @@
           </a:p>
         </p:txBody>
       </p:sp>
-      <p:sp>
-        <p:nvSpPr>
-          <p:cNvPr id="83" name="Rectangle 82">
+      <p:pic>
+        <p:nvPicPr>
+          <p:cNvPr id="4" name="Picture 3" descr="Diagram&#10;&#10;Description automatically generated">
             <a:extLst>
               <a:ext uri="{FF2B5EF4-FFF2-40B4-BE49-F238E27FC236}">
-                <a16:creationId xmlns:a16="http://schemas.microsoft.com/office/drawing/2014/main" id="{2F7FBDA2-CA1E-4D12-868A-9193C9AA7B9D}"/>
+                <a16:creationId xmlns:a16="http://schemas.microsoft.com/office/drawing/2014/main" id="{6FFA2753-2B09-485D-BF65-92C344FB84F5}"/>
+              </a:ext>
+            </a:extLst>
+          </p:cNvPr>
+          <p:cNvPicPr>
+            <a:picLocks noChangeAspect="1"/>
+          </p:cNvPicPr>
+          <p:nvPr/>
+        </p:nvPicPr>
+        <p:blipFill>
+          <a:blip r:embed="rId2"/>
+          <a:stretch>
+            <a:fillRect/>
+          </a:stretch>
+        </p:blipFill>
+        <p:spPr>
+          <a:xfrm>
+            <a:off x="1864763" y="447234"/>
+            <a:ext cx="8466926" cy="3450273"/>
+          </a:xfrm>
+          <a:prstGeom prst="rect">
+            <a:avLst/>
+          </a:prstGeom>
+        </p:spPr>
+      </p:pic>
+      <p:sp>
+        <p:nvSpPr>
+          <p:cNvPr id="25" name="Rectangle 24">
+            <a:extLst>
+              <a:ext uri="{FF2B5EF4-FFF2-40B4-BE49-F238E27FC236}">
+                <a16:creationId xmlns:a16="http://schemas.microsoft.com/office/drawing/2014/main" id="{36B822CC-7DA9-4417-AA94-64CEB676F0B8}"/>
               </a:ext>
               <a:ext uri="{C183D7F6-B498-43B3-948B-1728B52AA6E4}">
                 <adec:decorative xmlns:adec="http://schemas.microsoft.com/office/drawing/2017/decorative" val="1"/>
@@ -11074,14 +11610,14 @@
         </p:nvSpPr>
         <p:spPr>
           <a:xfrm>
-            <a:off x="4252873" y="734134"/>
-            <a:ext cx="7498616" cy="5666666"/>
+            <a:off x="447234" y="4219240"/>
+            <a:ext cx="11301984" cy="94997"/>
           </a:xfrm>
           <a:prstGeom prst="rect">
             <a:avLst/>
           </a:prstGeom>
           <a:solidFill>
-            <a:schemeClr val="accent1"/>
+            <a:schemeClr val="tx2"/>
           </a:solidFill>
           <a:ln>
             <a:noFill/>
@@ -11105,413 +11641,10 @@
       </p:sp>
       <p:sp>
         <p:nvSpPr>
-          <p:cNvPr id="2" name="Title 1">
+          <p:cNvPr id="27" name="Rectangle 26">
             <a:extLst>
               <a:ext uri="{FF2B5EF4-FFF2-40B4-BE49-F238E27FC236}">
-                <a16:creationId xmlns:a16="http://schemas.microsoft.com/office/drawing/2014/main" id="{31BCA46F-6BB6-4665-B762-6C23BADA1209}"/>
-              </a:ext>
-            </a:extLst>
-          </p:cNvPr>
-          <p:cNvSpPr>
-            <a:spLocks noGrp="1"/>
-          </p:cNvSpPr>
-          <p:nvPr>
-            <p:ph type="title"/>
-          </p:nvPr>
-        </p:nvSpPr>
-        <p:spPr>
-          <a:xfrm>
-            <a:off x="4579243" y="1419225"/>
-            <a:ext cx="6798608" cy="2085869"/>
-          </a:xfrm>
-        </p:spPr>
-        <p:txBody>
-          <a:bodyPr vert="horz" lIns="91440" tIns="45720" rIns="91440" bIns="45720" rtlCol="0" anchor="b">
-            <a:normAutofit/>
-          </a:bodyPr>
-          <a:lstStyle/>
-          <a:p>
-            <a:pPr algn="ctr"/>
-            <a:r>
-              <a:rPr lang="en-US" sz="3600" dirty="0">
-                <a:solidFill>
-                  <a:srgbClr val="FFFFFF"/>
-                </a:solidFill>
-              </a:rPr>
-              <a:t>Burner machines</a:t>
-            </a:r>
-          </a:p>
-        </p:txBody>
-      </p:sp>
-      <p:grpSp>
-        <p:nvGrpSpPr>
-          <p:cNvPr id="85" name="Group 84">
-            <a:extLst>
-              <a:ext uri="{FF2B5EF4-FFF2-40B4-BE49-F238E27FC236}">
-                <a16:creationId xmlns:a16="http://schemas.microsoft.com/office/drawing/2014/main" id="{C3E10249-5CE7-46B7-BF63-CADFE9DC1936}"/>
-              </a:ext>
-              <a:ext uri="{C183D7F6-B498-43B3-948B-1728B52AA6E4}">
-                <adec:decorative xmlns:adec="http://schemas.microsoft.com/office/drawing/2017/decorative" val="1"/>
-              </a:ext>
-            </a:extLst>
-          </p:cNvPr>
-          <p:cNvGrpSpPr>
-            <a:grpSpLocks noGrp="1" noUngrp="1" noRot="1" noChangeAspect="1" noMove="1" noResize="1"/>
-          </p:cNvGrpSpPr>
-          <p:nvPr>
-            <p:extLst>
-              <p:ext uri="{386F3935-93C4-4BCD-93E2-E3B085C9AB24}">
-                <p16:designElem xmlns:p16="http://schemas.microsoft.com/office/powerpoint/2015/main" val="1"/>
-              </p:ext>
-            </p:extLst>
-          </p:nvPr>
-        </p:nvGrpSpPr>
-        <p:grpSpPr>
-          <a:xfrm>
-            <a:off x="446534" y="453643"/>
-            <a:ext cx="11298933" cy="98554"/>
-            <a:chOff x="446534" y="453643"/>
-            <a:chExt cx="11298933" cy="98554"/>
-          </a:xfrm>
-        </p:grpSpPr>
-        <p:sp>
-          <p:nvSpPr>
-            <p:cNvPr id="86" name="Rectangle 85">
-              <a:extLst>
-                <a:ext uri="{FF2B5EF4-FFF2-40B4-BE49-F238E27FC236}">
-                  <a16:creationId xmlns:a16="http://schemas.microsoft.com/office/drawing/2014/main" id="{E0A0B672-D861-46A7-A5CE-F47D2E89CAB4}"/>
-                </a:ext>
-                <a:ext uri="{C183D7F6-B498-43B3-948B-1728B52AA6E4}">
-                  <adec:decorative xmlns:adec="http://schemas.microsoft.com/office/drawing/2017/decorative" val="1"/>
-                </a:ext>
-              </a:extLst>
-            </p:cNvPr>
-            <p:cNvSpPr/>
-            <p:nvPr>
-              <p:extLst>
-                <p:ext uri="{386F3935-93C4-4BCD-93E2-E3B085C9AB24}">
-                  <p16:designElem xmlns:p16="http://schemas.microsoft.com/office/powerpoint/2015/main" val="1"/>
-                </p:ext>
-              </p:extLst>
-            </p:nvPr>
-          </p:nvSpPr>
-          <p:spPr>
-            <a:xfrm>
-              <a:off x="446534" y="457200"/>
-              <a:ext cx="3703320" cy="94997"/>
-            </a:xfrm>
-            <a:prstGeom prst="rect">
-              <a:avLst/>
-            </a:prstGeom>
-            <a:solidFill>
-              <a:schemeClr val="accent1"/>
-            </a:solidFill>
-            <a:ln>
-              <a:noFill/>
-            </a:ln>
-            <a:effectLst/>
-          </p:spPr>
-          <p:style>
-            <a:lnRef idx="1">
-              <a:schemeClr val="accent1"/>
-            </a:lnRef>
-            <a:fillRef idx="3">
-              <a:schemeClr val="accent1"/>
-            </a:fillRef>
-            <a:effectRef idx="2">
-              <a:schemeClr val="accent1"/>
-            </a:effectRef>
-            <a:fontRef idx="minor">
-              <a:schemeClr val="lt1"/>
-            </a:fontRef>
-          </p:style>
-        </p:sp>
-        <p:sp>
-          <p:nvSpPr>
-            <p:cNvPr id="87" name="Rectangle 86">
-              <a:extLst>
-                <a:ext uri="{FF2B5EF4-FFF2-40B4-BE49-F238E27FC236}">
-                  <a16:creationId xmlns:a16="http://schemas.microsoft.com/office/drawing/2014/main" id="{BE538C5F-339E-4E2E-9D0C-CB525B78A7B8}"/>
-                </a:ext>
-                <a:ext uri="{C183D7F6-B498-43B3-948B-1728B52AA6E4}">
-                  <adec:decorative xmlns:adec="http://schemas.microsoft.com/office/drawing/2017/decorative" val="1"/>
-                </a:ext>
-              </a:extLst>
-            </p:cNvPr>
-            <p:cNvSpPr/>
-            <p:nvPr>
-              <p:extLst>
-                <p:ext uri="{386F3935-93C4-4BCD-93E2-E3B085C9AB24}">
-                  <p16:designElem xmlns:p16="http://schemas.microsoft.com/office/powerpoint/2015/main" val="1"/>
-                </p:ext>
-              </p:extLst>
-            </p:nvPr>
-          </p:nvSpPr>
-          <p:spPr>
-            <a:xfrm>
-              <a:off x="8042147" y="453643"/>
-              <a:ext cx="3703320" cy="98554"/>
-            </a:xfrm>
-            <a:prstGeom prst="rect">
-              <a:avLst/>
-            </a:prstGeom>
-            <a:solidFill>
-              <a:schemeClr val="accent4"/>
-            </a:solidFill>
-            <a:ln>
-              <a:noFill/>
-            </a:ln>
-            <a:effectLst/>
-          </p:spPr>
-          <p:style>
-            <a:lnRef idx="1">
-              <a:schemeClr val="accent1"/>
-            </a:lnRef>
-            <a:fillRef idx="3">
-              <a:schemeClr val="accent1"/>
-            </a:fillRef>
-            <a:effectRef idx="2">
-              <a:schemeClr val="accent1"/>
-            </a:effectRef>
-            <a:fontRef idx="minor">
-              <a:schemeClr val="lt1"/>
-            </a:fontRef>
-          </p:style>
-        </p:sp>
-        <p:sp>
-          <p:nvSpPr>
-            <p:cNvPr id="88" name="Rectangle 87">
-              <a:extLst>
-                <a:ext uri="{FF2B5EF4-FFF2-40B4-BE49-F238E27FC236}">
-                  <a16:creationId xmlns:a16="http://schemas.microsoft.com/office/drawing/2014/main" id="{BEA4A019-FFF6-4EC2-9691-6488661102E3}"/>
-                </a:ext>
-                <a:ext uri="{C183D7F6-B498-43B3-948B-1728B52AA6E4}">
-                  <adec:decorative xmlns:adec="http://schemas.microsoft.com/office/drawing/2017/decorative" val="1"/>
-                </a:ext>
-              </a:extLst>
-            </p:cNvPr>
-            <p:cNvSpPr/>
-            <p:nvPr>
-              <p:extLst>
-                <p:ext uri="{386F3935-93C4-4BCD-93E2-E3B085C9AB24}">
-                  <p16:designElem xmlns:p16="http://schemas.microsoft.com/office/powerpoint/2015/main" val="1"/>
-                </p:ext>
-              </p:extLst>
-            </p:nvPr>
-          </p:nvSpPr>
-          <p:spPr>
-            <a:xfrm>
-              <a:off x="4241830" y="457200"/>
-              <a:ext cx="3703320" cy="91440"/>
-            </a:xfrm>
-            <a:prstGeom prst="rect">
-              <a:avLst/>
-            </a:prstGeom>
-            <a:solidFill>
-              <a:schemeClr val="accent2"/>
-            </a:solidFill>
-            <a:ln>
-              <a:noFill/>
-            </a:ln>
-            <a:effectLst/>
-          </p:spPr>
-          <p:style>
-            <a:lnRef idx="1">
-              <a:schemeClr val="accent1"/>
-            </a:lnRef>
-            <a:fillRef idx="3">
-              <a:schemeClr val="accent1"/>
-            </a:fillRef>
-            <a:effectRef idx="2">
-              <a:schemeClr val="accent1"/>
-            </a:effectRef>
-            <a:fontRef idx="minor">
-              <a:schemeClr val="lt1"/>
-            </a:fontRef>
-          </p:style>
-        </p:sp>
-      </p:grpSp>
-      <p:pic>
-        <p:nvPicPr>
-          <p:cNvPr id="1028" name="Picture 4" descr="3,102 Bunsen Burner Stock Photos, Pictures &amp;amp; Royalty-Free Images - iStock">
-            <a:extLst>
-              <a:ext uri="{FF2B5EF4-FFF2-40B4-BE49-F238E27FC236}">
-                <a16:creationId xmlns:a16="http://schemas.microsoft.com/office/drawing/2014/main" id="{B70F980A-3B6A-4D78-B259-0EBBD628AE1E}"/>
-              </a:ext>
-            </a:extLst>
-          </p:cNvPr>
-          <p:cNvPicPr>
-            <a:picLocks noChangeAspect="1" noChangeArrowheads="1"/>
-          </p:cNvPicPr>
-          <p:nvPr/>
-        </p:nvPicPr>
-        <p:blipFill rotWithShape="1">
-          <a:blip r:embed="rId2">
-            <a:extLst>
-              <a:ext uri="{28A0092B-C50C-407E-A947-70E740481C1C}">
-                <a14:useLocalDpi xmlns:a14="http://schemas.microsoft.com/office/drawing/2010/main" val="0"/>
-              </a:ext>
-            </a:extLst>
-          </a:blip>
-          <a:srcRect l="748" r="128" b="-2"/>
-          <a:stretch/>
-        </p:blipFill>
-        <p:spPr bwMode="auto">
-          <a:xfrm>
-            <a:off x="478172" y="723899"/>
-            <a:ext cx="3671681" cy="5676901"/>
-          </a:xfrm>
-          <a:prstGeom prst="rect">
-            <a:avLst/>
-          </a:prstGeom>
-          <a:noFill/>
-          <a:extLst>
-            <a:ext uri="{909E8E84-426E-40DD-AFC4-6F175D3DCCD1}">
-              <a14:hiddenFill xmlns:a14="http://schemas.microsoft.com/office/drawing/2010/main">
-                <a:solidFill>
-                  <a:srgbClr val="FFFFFF"/>
-                </a:solidFill>
-              </a14:hiddenFill>
-            </a:ext>
-          </a:extLst>
-        </p:spPr>
-      </p:pic>
-    </p:spTree>
-    <p:extLst>
-      <p:ext uri="{BB962C8B-B14F-4D97-AF65-F5344CB8AC3E}">
-        <p14:creationId xmlns:p14="http://schemas.microsoft.com/office/powerpoint/2010/main" val="3303749265"/>
-      </p:ext>
-    </p:extLst>
-  </p:cSld>
-  <p:clrMapOvr>
-    <a:masterClrMapping/>
-  </p:clrMapOvr>
-  <p:timing>
-    <p:tnLst>
-      <p:par>
-        <p:cTn id="1" dur="indefinite" restart="never" nodeType="tmRoot">
-          <p:childTnLst>
-            <p:seq concurrent="1" nextAc="seek">
-              <p:cTn id="2" dur="indefinite" nodeType="mainSeq">
-                <p:childTnLst>
-                  <p:par>
-                    <p:cTn id="3" fill="hold">
-                      <p:stCondLst>
-                        <p:cond delay="indefinite"/>
-                        <p:cond evt="onBegin" delay="0">
-                          <p:tn val="2"/>
-                        </p:cond>
-                      </p:stCondLst>
-                      <p:childTnLst>
-                        <p:par>
-                          <p:cTn id="4" fill="hold">
-                            <p:stCondLst>
-                              <p:cond delay="0"/>
-                            </p:stCondLst>
-                            <p:childTnLst>
-                              <p:par>
-                                <p:cTn id="5" presetID="10" presetClass="entr" presetSubtype="0" fill="hold" grpId="0" nodeType="withEffect">
-                                  <p:stCondLst>
-                                    <p:cond delay="1000"/>
-                                  </p:stCondLst>
-                                  <p:iterate>
-                                    <p:tmPct val="10000"/>
-                                  </p:iterate>
-                                  <p:childTnLst>
-                                    <p:set>
-                                      <p:cBhvr>
-                                        <p:cTn id="6" dur="1" fill="hold">
-                                          <p:stCondLst>
-                                            <p:cond delay="0"/>
-                                          </p:stCondLst>
-                                        </p:cTn>
-                                        <p:tgtEl>
-                                          <p:spTgt spid="2"/>
-                                        </p:tgtEl>
-                                        <p:attrNameLst>
-                                          <p:attrName>style.visibility</p:attrName>
-                                        </p:attrNameLst>
-                                      </p:cBhvr>
-                                      <p:to>
-                                        <p:strVal val="visible"/>
-                                      </p:to>
-                                    </p:set>
-                                    <p:animEffect transition="in" filter="fade">
-                                      <p:cBhvr>
-                                        <p:cTn id="7" dur="700"/>
-                                        <p:tgtEl>
-                                          <p:spTgt spid="2"/>
-                                        </p:tgtEl>
-                                      </p:cBhvr>
-                                    </p:animEffect>
-                                  </p:childTnLst>
-                                </p:cTn>
-                              </p:par>
-                            </p:childTnLst>
-                          </p:cTn>
-                        </p:par>
-                      </p:childTnLst>
-                    </p:cTn>
-                  </p:par>
-                </p:childTnLst>
-              </p:cTn>
-              <p:prevCondLst>
-                <p:cond evt="onPrev" delay="0">
-                  <p:tgtEl>
-                    <p:sldTgt/>
-                  </p:tgtEl>
-                </p:cond>
-              </p:prevCondLst>
-              <p:nextCondLst>
-                <p:cond evt="onNext" delay="0">
-                  <p:tgtEl>
-                    <p:sldTgt/>
-                  </p:tgtEl>
-                </p:cond>
-              </p:nextCondLst>
-            </p:seq>
-          </p:childTnLst>
-        </p:cTn>
-      </p:par>
-    </p:tnLst>
-    <p:bldLst>
-      <p:bldP spid="2" grpId="0"/>
-    </p:bldLst>
-  </p:timing>
-</p:sld>
-</file>
-
-<file path=ppt/slides/slide11.xml><?xml version="1.0" encoding="utf-8"?>
-<p:sld xmlns:a="http://schemas.openxmlformats.org/drawingml/2006/main" xmlns:r="http://schemas.openxmlformats.org/officeDocument/2006/relationships" xmlns:p="http://schemas.openxmlformats.org/presentationml/2006/main">
-  <p:cSld>
-    <p:bg>
-      <p:bgPr>
-        <a:solidFill>
-          <a:schemeClr val="bg2"/>
-        </a:solidFill>
-        <a:effectLst/>
-      </p:bgPr>
-    </p:bg>
-    <p:spTree>
-      <p:nvGrpSpPr>
-        <p:cNvPr id="1" name=""/>
-        <p:cNvGrpSpPr/>
-        <p:nvPr/>
-      </p:nvGrpSpPr>
-      <p:grpSpPr>
-        <a:xfrm>
-          <a:off x="0" y="0"/>
-          <a:ext cx="0" cy="0"/>
-          <a:chOff x="0" y="0"/>
-          <a:chExt cx="0" cy="0"/>
-        </a:xfrm>
-      </p:grpSpPr>
-      <p:sp>
-        <p:nvSpPr>
-          <p:cNvPr id="8" name="Rectangle 7">
-            <a:extLst>
-              <a:ext uri="{FF2B5EF4-FFF2-40B4-BE49-F238E27FC236}">
-                <a16:creationId xmlns:a16="http://schemas.microsoft.com/office/drawing/2014/main" id="{D70130DC-F780-43D2-B26A-92EACD78951B}"/>
+                <a16:creationId xmlns:a16="http://schemas.microsoft.com/office/drawing/2014/main" id="{AFA01E88-71CC-4FF3-9E81-51E0C32B45E4}"/>
               </a:ext>
               <a:ext uri="{C183D7F6-B498-43B3-948B-1728B52AA6E4}">
                 <adec:decorative xmlns:adec="http://schemas.microsoft.com/office/drawing/2017/decorative" val="1"/>
@@ -11531,50 +11664,41 @@
         </p:nvSpPr>
         <p:spPr>
           <a:xfrm>
-            <a:off x="0" y="0"/>
-            <a:ext cx="12192000" cy="6858000"/>
+            <a:off x="447234" y="4359623"/>
+            <a:ext cx="11303626" cy="2051143"/>
           </a:xfrm>
           <a:prstGeom prst="rect">
             <a:avLst/>
           </a:prstGeom>
           <a:solidFill>
-            <a:srgbClr val="E4E4E4"/>
+            <a:schemeClr val="tx2"/>
           </a:solidFill>
-          <a:ln>
+          <a:ln w="6350" cmpd="sng">
             <a:noFill/>
           </a:ln>
+          <a:effectLst/>
         </p:spPr>
         <p:style>
-          <a:lnRef idx="2">
-            <a:schemeClr val="accent1">
-              <a:shade val="50000"/>
-            </a:schemeClr>
+          <a:lnRef idx="1">
+            <a:schemeClr val="accent1"/>
           </a:lnRef>
-          <a:fillRef idx="1">
+          <a:fillRef idx="3">
             <a:schemeClr val="accent1"/>
           </a:fillRef>
-          <a:effectRef idx="0">
+          <a:effectRef idx="2">
             <a:schemeClr val="accent1"/>
           </a:effectRef>
           <a:fontRef idx="minor">
             <a:schemeClr val="lt1"/>
           </a:fontRef>
         </p:style>
-        <p:txBody>
-          <a:bodyPr rtlCol="0" anchor="ctr"/>
-          <a:lstStyle/>
-          <a:p>
-            <a:pPr algn="ctr"/>
-            <a:endParaRPr lang="en-US"/>
-          </a:p>
-        </p:txBody>
       </p:sp>
       <p:sp>
         <p:nvSpPr>
           <p:cNvPr id="2" name="Title 1">
             <a:extLst>
               <a:ext uri="{FF2B5EF4-FFF2-40B4-BE49-F238E27FC236}">
-                <a16:creationId xmlns:a16="http://schemas.microsoft.com/office/drawing/2014/main" id="{F696B6ED-47BD-4BE0-83FF-31EE7FB9DBE5}"/>
+                <a16:creationId xmlns:a16="http://schemas.microsoft.com/office/drawing/2014/main" id="{BBE221C7-2EF9-4D0C-A6F8-862E900C7474}"/>
               </a:ext>
             </a:extLst>
           </p:cNvPr>
@@ -11587,216 +11711,69 @@
         </p:nvSpPr>
         <p:spPr>
           <a:xfrm>
-            <a:off x="581192" y="641653"/>
-            <a:ext cx="11029616" cy="1095560"/>
+            <a:off x="679600" y="4596992"/>
+            <a:ext cx="3353432" cy="1607013"/>
           </a:xfrm>
         </p:spPr>
         <p:txBody>
-          <a:bodyPr anchor="t">
+          <a:bodyPr vert="horz" lIns="91440" tIns="45720" rIns="91440" bIns="45720" rtlCol="0" anchor="ctr">
             <a:normAutofit/>
           </a:bodyPr>
           <a:lstStyle/>
           <a:p>
             <a:r>
-              <a:rPr lang="en-GB">
-                <a:solidFill>
-                  <a:schemeClr val="accent2"/>
-                </a:solidFill>
-              </a:rPr>
-              <a:t>What is a burner machine?</a:t>
+              <a:rPr lang="en-US"/>
+              <a:t>Offensive Python with requests</a:t>
             </a:r>
           </a:p>
         </p:txBody>
       </p:sp>
       <p:sp>
         <p:nvSpPr>
-          <p:cNvPr id="10" name="Rectangle 9">
+          <p:cNvPr id="5" name="TextBox 4">
             <a:extLst>
               <a:ext uri="{FF2B5EF4-FFF2-40B4-BE49-F238E27FC236}">
-                <a16:creationId xmlns:a16="http://schemas.microsoft.com/office/drawing/2014/main" id="{17676E0E-5B44-4166-8EDD-CFDBAC622C26}"/>
-              </a:ext>
-              <a:ext uri="{C183D7F6-B498-43B3-948B-1728B52AA6E4}">
-                <adec:decorative xmlns:adec="http://schemas.microsoft.com/office/drawing/2017/decorative" val="1"/>
+                <a16:creationId xmlns:a16="http://schemas.microsoft.com/office/drawing/2014/main" id="{ECCE7F83-B824-4F49-A3B8-242A95DFB09F}"/>
               </a:ext>
             </a:extLst>
           </p:cNvPr>
-          <p:cNvSpPr>
-            <a:spLocks noGrp="1" noRot="1" noChangeAspect="1" noMove="1" noResize="1" noEditPoints="1" noAdjustHandles="1" noChangeArrowheads="1" noChangeShapeType="1" noTextEdit="1"/>
-          </p:cNvSpPr>
-          <p:nvPr>
-            <p:extLst>
-              <p:ext uri="{386F3935-93C4-4BCD-93E2-E3B085C9AB24}">
-                <p16:designElem xmlns:p16="http://schemas.microsoft.com/office/powerpoint/2015/main" val="1"/>
-              </p:ext>
-            </p:extLst>
-          </p:nvPr>
+          <p:cNvSpPr txBox="1"/>
+          <p:nvPr/>
         </p:nvSpPr>
         <p:spPr>
           <a:xfrm>
-            <a:off x="446533" y="457201"/>
-            <a:ext cx="11298933" cy="91440"/>
+            <a:off x="4271491" y="4596992"/>
+            <a:ext cx="7240909" cy="1607012"/>
           </a:xfrm>
           <a:prstGeom prst="rect">
             <a:avLst/>
           </a:prstGeom>
-          <a:solidFill>
-            <a:schemeClr val="accent1"/>
-          </a:solidFill>
-          <a:ln>
-            <a:noFill/>
-          </a:ln>
-          <a:effectLst/>
-        </p:spPr>
-        <p:style>
-          <a:lnRef idx="1">
-            <a:schemeClr val="accent1"/>
-          </a:lnRef>
-          <a:fillRef idx="3">
-            <a:schemeClr val="accent1"/>
-          </a:fillRef>
-          <a:effectRef idx="2">
-            <a:schemeClr val="accent1"/>
-          </a:effectRef>
-          <a:fontRef idx="minor">
-            <a:schemeClr val="lt1"/>
-          </a:fontRef>
-        </p:style>
-      </p:sp>
-      <p:sp>
-        <p:nvSpPr>
-          <p:cNvPr id="3" name="Content Placeholder 2">
-            <a:extLst>
-              <a:ext uri="{FF2B5EF4-FFF2-40B4-BE49-F238E27FC236}">
-                <a16:creationId xmlns:a16="http://schemas.microsoft.com/office/drawing/2014/main" id="{D8E36CC0-4F00-4813-A211-16F91FA270B2}"/>
-              </a:ext>
-            </a:extLst>
-          </p:cNvPr>
-          <p:cNvSpPr>
-            <a:spLocks noGrp="1"/>
-          </p:cNvSpPr>
-          <p:nvPr>
-            <p:ph idx="1"/>
-          </p:nvPr>
-        </p:nvSpPr>
-        <p:spPr>
-          <a:xfrm>
-            <a:off x="581192" y="1879600"/>
-            <a:ext cx="11029615" cy="3979200"/>
-          </a:xfrm>
         </p:spPr>
         <p:txBody>
-          <a:bodyPr>
+          <a:bodyPr vert="horz" lIns="91440" tIns="45720" rIns="91440" bIns="45720" rtlCol="0" anchor="ctr">
             <a:normAutofit/>
           </a:bodyPr>
           <a:lstStyle/>
           <a:p>
-            <a:pPr>
-              <a:lnSpc>
-                <a:spcPct val="90000"/>
-              </a:lnSpc>
+            <a:pPr algn="ctr">
+              <a:spcBef>
+                <a:spcPct val="20000"/>
+              </a:spcBef>
+              <a:spcAft>
+                <a:spcPts val="600"/>
+              </a:spcAft>
+              <a:buClr>
+                <a:schemeClr val="accent2"/>
+              </a:buClr>
+              <a:buSzPct val="92000"/>
             </a:pPr>
             <a:r>
-              <a:rPr lang="en-GB" sz="2000">
+              <a:rPr lang="en-US" dirty="0">
                 <a:solidFill>
-                  <a:schemeClr val="accent2">
-                    <a:lumMod val="50000"/>
-                  </a:schemeClr>
+                  <a:schemeClr val="bg1"/>
                 </a:solidFill>
               </a:rPr>
-              <a:t>Similar to a throwaway email, a burner machine is intended for uses which provide anonymity to ones true identity</a:t>
-            </a:r>
-          </a:p>
-          <a:p>
-            <a:pPr>
-              <a:lnSpc>
-                <a:spcPct val="90000"/>
-              </a:lnSpc>
-            </a:pPr>
-            <a:endParaRPr lang="en-GB" sz="2000">
-              <a:solidFill>
-                <a:schemeClr val="accent2">
-                  <a:lumMod val="50000"/>
-                </a:schemeClr>
-              </a:solidFill>
-            </a:endParaRPr>
-          </a:p>
-          <a:p>
-            <a:pPr>
-              <a:lnSpc>
-                <a:spcPct val="90000"/>
-              </a:lnSpc>
-            </a:pPr>
-            <a:r>
-              <a:rPr lang="en-GB" sz="2000">
-                <a:solidFill>
-                  <a:schemeClr val="accent2">
-                    <a:lumMod val="50000"/>
-                  </a:schemeClr>
-                </a:solidFill>
-              </a:rPr>
-              <a:t>Online vulnerability scanners available on the internet provide scanning capabilities on their own machines</a:t>
-            </a:r>
-          </a:p>
-          <a:p>
-            <a:pPr>
-              <a:lnSpc>
-                <a:spcPct val="90000"/>
-              </a:lnSpc>
-            </a:pPr>
-            <a:endParaRPr lang="en-GB" sz="2000">
-              <a:solidFill>
-                <a:schemeClr val="accent2">
-                  <a:lumMod val="50000"/>
-                </a:schemeClr>
-              </a:solidFill>
-            </a:endParaRPr>
-          </a:p>
-          <a:p>
-            <a:pPr>
-              <a:lnSpc>
-                <a:spcPct val="90000"/>
-              </a:lnSpc>
-            </a:pPr>
-            <a:r>
-              <a:rPr lang="en-GB" sz="2000">
-                <a:solidFill>
-                  <a:schemeClr val="accent2">
-                    <a:lumMod val="50000"/>
-                  </a:schemeClr>
-                </a:solidFill>
-              </a:rPr>
-              <a:t>Even if a burner machine provided by the scanner is blocked, we can maintain contact with the target as our own access is not blocked. </a:t>
-            </a:r>
-          </a:p>
-          <a:p>
-            <a:pPr>
-              <a:lnSpc>
-                <a:spcPct val="90000"/>
-              </a:lnSpc>
-            </a:pPr>
-            <a:endParaRPr lang="en-GB" sz="2000">
-              <a:solidFill>
-                <a:schemeClr val="accent2">
-                  <a:lumMod val="50000"/>
-                </a:schemeClr>
-              </a:solidFill>
-            </a:endParaRPr>
-          </a:p>
-          <a:p>
-            <a:pPr>
-              <a:lnSpc>
-                <a:spcPct val="90000"/>
-              </a:lnSpc>
-            </a:pPr>
-            <a:r>
-              <a:rPr lang="en-GB" sz="2000">
-                <a:solidFill>
-                  <a:schemeClr val="accent2">
-                    <a:lumMod val="50000"/>
-                  </a:schemeClr>
-                </a:solidFill>
-              </a:rPr>
-              <a:t>This leaves us with a potentially blocked connection from a separate machine, similar to performing a decoy scan using NMAP. </a:t>
+              <a:t>Response with a known username</a:t>
             </a:r>
           </a:p>
         </p:txBody>
@@ -11804,91 +11781,7 @@
     </p:spTree>
     <p:extLst>
       <p:ext uri="{BB962C8B-B14F-4D97-AF65-F5344CB8AC3E}">
-        <p14:creationId xmlns:p14="http://schemas.microsoft.com/office/powerpoint/2010/main" val="3953408478"/>
-      </p:ext>
-    </p:extLst>
-  </p:cSld>
-  <p:clrMapOvr>
-    <a:masterClrMapping/>
-  </p:clrMapOvr>
-</p:sld>
-</file>
-
-<file path=ppt/slides/slide12.xml><?xml version="1.0" encoding="utf-8"?>
-<p:sld xmlns:a="http://schemas.openxmlformats.org/drawingml/2006/main" xmlns:r="http://schemas.openxmlformats.org/officeDocument/2006/relationships" xmlns:p="http://schemas.openxmlformats.org/presentationml/2006/main">
-  <p:cSld>
-    <p:spTree>
-      <p:nvGrpSpPr>
-        <p:cNvPr id="1" name=""/>
-        <p:cNvGrpSpPr/>
-        <p:nvPr/>
-      </p:nvGrpSpPr>
-      <p:grpSpPr>
-        <a:xfrm>
-          <a:off x="0" y="0"/>
-          <a:ext cx="0" cy="0"/>
-          <a:chOff x="0" y="0"/>
-          <a:chExt cx="0" cy="0"/>
-        </a:xfrm>
-      </p:grpSpPr>
-      <p:sp>
-        <p:nvSpPr>
-          <p:cNvPr id="2" name="Title 1">
-            <a:extLst>
-              <a:ext uri="{FF2B5EF4-FFF2-40B4-BE49-F238E27FC236}">
-                <a16:creationId xmlns:a16="http://schemas.microsoft.com/office/drawing/2014/main" id="{B7C4EF21-5077-4572-B2E6-21690959F196}"/>
-              </a:ext>
-            </a:extLst>
-          </p:cNvPr>
-          <p:cNvSpPr>
-            <a:spLocks noGrp="1"/>
-          </p:cNvSpPr>
-          <p:nvPr>
-            <p:ph type="title"/>
-          </p:nvPr>
-        </p:nvSpPr>
-        <p:spPr/>
-        <p:txBody>
-          <a:bodyPr/>
-          <a:lstStyle/>
-          <a:p>
-            <a:pPr algn="ctr"/>
-            <a:r>
-              <a:rPr lang="en-GB" dirty="0"/>
-              <a:t>Decoy Scan</a:t>
-            </a:r>
-          </a:p>
-        </p:txBody>
-      </p:sp>
-      <p:sp>
-        <p:nvSpPr>
-          <p:cNvPr id="3" name="Content Placeholder 2">
-            <a:extLst>
-              <a:ext uri="{FF2B5EF4-FFF2-40B4-BE49-F238E27FC236}">
-                <a16:creationId xmlns:a16="http://schemas.microsoft.com/office/drawing/2014/main" id="{15050F44-4463-458C-A4ED-2F44AA1592EB}"/>
-              </a:ext>
-            </a:extLst>
-          </p:cNvPr>
-          <p:cNvSpPr>
-            <a:spLocks noGrp="1"/>
-          </p:cNvSpPr>
-          <p:nvPr>
-            <p:ph idx="1"/>
-          </p:nvPr>
-        </p:nvSpPr>
-        <p:spPr/>
-        <p:txBody>
-          <a:bodyPr/>
-          <a:lstStyle/>
-          <a:p>
-            <a:endParaRPr lang="en-GB" dirty="0"/>
-          </a:p>
-        </p:txBody>
-      </p:sp>
-    </p:spTree>
-    <p:extLst>
-      <p:ext uri="{BB962C8B-B14F-4D97-AF65-F5344CB8AC3E}">
-        <p14:creationId xmlns:p14="http://schemas.microsoft.com/office/powerpoint/2010/main" val="582011582"/>
+        <p14:creationId xmlns:p14="http://schemas.microsoft.com/office/powerpoint/2010/main" val="2561412473"/>
       </p:ext>
     </p:extLst>
   </p:cSld>
@@ -11920,7 +11813,7 @@
           <p:cNvPr id="2" name="Title 1">
             <a:extLst>
               <a:ext uri="{FF2B5EF4-FFF2-40B4-BE49-F238E27FC236}">
-                <a16:creationId xmlns:a16="http://schemas.microsoft.com/office/drawing/2014/main" id="{D507DD39-633B-40C7-ABFE-F7CB522EA467}"/>
+                <a16:creationId xmlns:a16="http://schemas.microsoft.com/office/drawing/2014/main" id="{BBE221C7-2EF9-4D0C-A6F8-862E900C7474}"/>
               </a:ext>
             </a:extLst>
           </p:cNvPr>
@@ -11938,8 +11831,8 @@
           <a:p>
             <a:pPr algn="ctr"/>
             <a:r>
-              <a:rPr lang="en-GB" dirty="0" err="1"/>
-              <a:t>natlas</a:t>
+              <a:rPr lang="en-GB"/>
+              <a:t>Offensive Python with requests</a:t>
             </a:r>
             <a:endParaRPr lang="en-GB" dirty="0"/>
           </a:p>
@@ -11947,33 +11840,74 @@
       </p:sp>
       <p:sp>
         <p:nvSpPr>
-          <p:cNvPr id="3" name="Content Placeholder 2">
+          <p:cNvPr id="5" name="TextBox 4">
             <a:extLst>
               <a:ext uri="{FF2B5EF4-FFF2-40B4-BE49-F238E27FC236}">
-                <a16:creationId xmlns:a16="http://schemas.microsoft.com/office/drawing/2014/main" id="{5F3431B5-389D-4CB3-89CC-D188F4A731DA}"/>
+                <a16:creationId xmlns:a16="http://schemas.microsoft.com/office/drawing/2014/main" id="{ECCE7F83-B824-4F49-A3B8-242A95DFB09F}"/>
               </a:ext>
             </a:extLst>
           </p:cNvPr>
-          <p:cNvSpPr>
-            <a:spLocks noGrp="1"/>
-          </p:cNvSpPr>
-          <p:nvPr>
-            <p:ph idx="1"/>
-          </p:nvPr>
-        </p:nvSpPr>
-        <p:spPr/>
+          <p:cNvSpPr txBox="1"/>
+          <p:nvPr/>
+        </p:nvSpPr>
+        <p:spPr>
+          <a:xfrm>
+            <a:off x="3373397" y="2657448"/>
+            <a:ext cx="5452110" cy="369332"/>
+          </a:xfrm>
+          <a:prstGeom prst="rect">
+            <a:avLst/>
+          </a:prstGeom>
+          <a:noFill/>
+        </p:spPr>
         <p:txBody>
-          <a:bodyPr/>
+          <a:bodyPr wrap="square" rtlCol="0">
+            <a:spAutoFit/>
+          </a:bodyPr>
           <a:lstStyle/>
           <a:p>
-            <a:endParaRPr lang="en-GB"/>
+            <a:pPr algn="ctr"/>
+            <a:r>
+              <a:rPr lang="en-GB" dirty="0"/>
+              <a:t>Response with an unknown username</a:t>
+            </a:r>
           </a:p>
         </p:txBody>
       </p:sp>
+      <p:pic>
+        <p:nvPicPr>
+          <p:cNvPr id="8" name="Picture 7">
+            <a:extLst>
+              <a:ext uri="{FF2B5EF4-FFF2-40B4-BE49-F238E27FC236}">
+                <a16:creationId xmlns:a16="http://schemas.microsoft.com/office/drawing/2014/main" id="{7114FA4F-9329-4464-A39C-95676DC77CED}"/>
+              </a:ext>
+            </a:extLst>
+          </p:cNvPr>
+          <p:cNvPicPr>
+            <a:picLocks noChangeAspect="1"/>
+          </p:cNvPicPr>
+          <p:nvPr/>
+        </p:nvPicPr>
+        <p:blipFill>
+          <a:blip r:embed="rId2"/>
+          <a:stretch>
+            <a:fillRect/>
+          </a:stretch>
+        </p:blipFill>
+        <p:spPr>
+          <a:xfrm>
+            <a:off x="3171441" y="3026780"/>
+            <a:ext cx="5506218" cy="2267266"/>
+          </a:xfrm>
+          <a:prstGeom prst="rect">
+            <a:avLst/>
+          </a:prstGeom>
+        </p:spPr>
+      </p:pic>
     </p:spTree>
     <p:extLst>
       <p:ext uri="{BB962C8B-B14F-4D97-AF65-F5344CB8AC3E}">
-        <p14:creationId xmlns:p14="http://schemas.microsoft.com/office/powerpoint/2010/main" val="561625940"/>
+        <p14:creationId xmlns:p14="http://schemas.microsoft.com/office/powerpoint/2010/main" val="2748040611"/>
       </p:ext>
     </p:extLst>
   </p:cSld>
@@ -11986,6 +11920,14 @@
 <file path=ppt/slides/slide14.xml><?xml version="1.0" encoding="utf-8"?>
 <p:sld xmlns:a="http://schemas.openxmlformats.org/drawingml/2006/main" xmlns:r="http://schemas.openxmlformats.org/officeDocument/2006/relationships" xmlns:p="http://schemas.openxmlformats.org/presentationml/2006/main">
   <p:cSld>
+    <p:bg>
+      <p:bgPr>
+        <a:solidFill>
+          <a:schemeClr val="bg1"/>
+        </a:solidFill>
+        <a:effectLst/>
+      </p:bgPr>
+    </p:bg>
     <p:spTree>
       <p:nvGrpSpPr>
         <p:cNvPr id="1" name=""/>
@@ -12002,10 +11944,343 @@
       </p:grpSpPr>
       <p:sp>
         <p:nvSpPr>
+          <p:cNvPr id="9" name="Rectangle 11">
+            <a:extLst>
+              <a:ext uri="{FF2B5EF4-FFF2-40B4-BE49-F238E27FC236}">
+                <a16:creationId xmlns:a16="http://schemas.microsoft.com/office/drawing/2014/main" id="{DB691D59-8F51-4DD8-AD41-D568D29B08F8}"/>
+              </a:ext>
+              <a:ext uri="{C183D7F6-B498-43B3-948B-1728B52AA6E4}">
+                <adec:decorative xmlns:adec="http://schemas.microsoft.com/office/drawing/2017/decorative" val="1"/>
+              </a:ext>
+            </a:extLst>
+          </p:cNvPr>
+          <p:cNvSpPr>
+            <a:spLocks noGrp="1" noRot="1" noChangeAspect="1" noMove="1" noResize="1" noEditPoints="1" noAdjustHandles="1" noChangeArrowheads="1" noChangeShapeType="1" noTextEdit="1"/>
+          </p:cNvSpPr>
+          <p:nvPr>
+            <p:extLst>
+              <p:ext uri="{386F3935-93C4-4BCD-93E2-E3B085C9AB24}">
+                <p16:designElem xmlns:p16="http://schemas.microsoft.com/office/powerpoint/2015/main" val="1"/>
+              </p:ext>
+            </p:extLst>
+          </p:nvPr>
+        </p:nvSpPr>
+        <p:spPr>
+          <a:xfrm>
+            <a:off x="446534" y="457200"/>
+            <a:ext cx="3703320" cy="94997"/>
+          </a:xfrm>
+          <a:prstGeom prst="rect">
+            <a:avLst/>
+          </a:prstGeom>
+          <a:solidFill>
+            <a:schemeClr val="accent1"/>
+          </a:solidFill>
+          <a:ln>
+            <a:noFill/>
+          </a:ln>
+          <a:effectLst/>
+        </p:spPr>
+        <p:style>
+          <a:lnRef idx="1">
+            <a:schemeClr val="accent1"/>
+          </a:lnRef>
+          <a:fillRef idx="3">
+            <a:schemeClr val="accent1"/>
+          </a:fillRef>
+          <a:effectRef idx="2">
+            <a:schemeClr val="accent1"/>
+          </a:effectRef>
+          <a:fontRef idx="minor">
+            <a:schemeClr val="lt1"/>
+          </a:fontRef>
+        </p:style>
+      </p:sp>
+      <p:sp>
+        <p:nvSpPr>
+          <p:cNvPr id="10" name="Rectangle 13">
+            <a:extLst>
+              <a:ext uri="{FF2B5EF4-FFF2-40B4-BE49-F238E27FC236}">
+                <a16:creationId xmlns:a16="http://schemas.microsoft.com/office/drawing/2014/main" id="{204AEF18-0627-48F3-9B3D-F7E8F050B1D4}"/>
+              </a:ext>
+              <a:ext uri="{C183D7F6-B498-43B3-948B-1728B52AA6E4}">
+                <adec:decorative xmlns:adec="http://schemas.microsoft.com/office/drawing/2017/decorative" val="1"/>
+              </a:ext>
+            </a:extLst>
+          </p:cNvPr>
+          <p:cNvSpPr>
+            <a:spLocks noGrp="1" noRot="1" noChangeAspect="1" noMove="1" noResize="1" noEditPoints="1" noAdjustHandles="1" noChangeArrowheads="1" noChangeShapeType="1" noTextEdit="1"/>
+          </p:cNvSpPr>
+          <p:nvPr>
+            <p:extLst>
+              <p:ext uri="{386F3935-93C4-4BCD-93E2-E3B085C9AB24}">
+                <p16:designElem xmlns:p16="http://schemas.microsoft.com/office/powerpoint/2015/main" val="1"/>
+              </p:ext>
+            </p:extLst>
+          </p:nvPr>
+        </p:nvSpPr>
+        <p:spPr>
+          <a:xfrm>
+            <a:off x="8042147" y="453643"/>
+            <a:ext cx="3703320" cy="98554"/>
+          </a:xfrm>
+          <a:prstGeom prst="rect">
+            <a:avLst/>
+          </a:prstGeom>
+          <a:solidFill>
+            <a:schemeClr val="accent4"/>
+          </a:solidFill>
+          <a:ln>
+            <a:noFill/>
+          </a:ln>
+          <a:effectLst/>
+        </p:spPr>
+        <p:style>
+          <a:lnRef idx="1">
+            <a:schemeClr val="accent1"/>
+          </a:lnRef>
+          <a:fillRef idx="3">
+            <a:schemeClr val="accent1"/>
+          </a:fillRef>
+          <a:effectRef idx="2">
+            <a:schemeClr val="accent1"/>
+          </a:effectRef>
+          <a:fontRef idx="minor">
+            <a:schemeClr val="lt1"/>
+          </a:fontRef>
+        </p:style>
+      </p:sp>
+      <p:sp>
+        <p:nvSpPr>
+          <p:cNvPr id="11" name="Rectangle 15">
+            <a:extLst>
+              <a:ext uri="{FF2B5EF4-FFF2-40B4-BE49-F238E27FC236}">
+                <a16:creationId xmlns:a16="http://schemas.microsoft.com/office/drawing/2014/main" id="{CEAEE08A-C572-438F-9753-B0D527A515A7}"/>
+              </a:ext>
+              <a:ext uri="{C183D7F6-B498-43B3-948B-1728B52AA6E4}">
+                <adec:decorative xmlns:adec="http://schemas.microsoft.com/office/drawing/2017/decorative" val="1"/>
+              </a:ext>
+            </a:extLst>
+          </p:cNvPr>
+          <p:cNvSpPr>
+            <a:spLocks noGrp="1" noRot="1" noChangeAspect="1" noMove="1" noResize="1" noEditPoints="1" noAdjustHandles="1" noChangeArrowheads="1" noChangeShapeType="1" noTextEdit="1"/>
+          </p:cNvSpPr>
+          <p:nvPr>
+            <p:extLst>
+              <p:ext uri="{386F3935-93C4-4BCD-93E2-E3B085C9AB24}">
+                <p16:designElem xmlns:p16="http://schemas.microsoft.com/office/powerpoint/2015/main" val="1"/>
+              </p:ext>
+            </p:extLst>
+          </p:nvPr>
+        </p:nvSpPr>
+        <p:spPr>
+          <a:xfrm>
+            <a:off x="4241830" y="457200"/>
+            <a:ext cx="3703320" cy="91440"/>
+          </a:xfrm>
+          <a:prstGeom prst="rect">
+            <a:avLst/>
+          </a:prstGeom>
+          <a:solidFill>
+            <a:schemeClr val="accent2"/>
+          </a:solidFill>
+          <a:ln>
+            <a:noFill/>
+          </a:ln>
+          <a:effectLst/>
+        </p:spPr>
+        <p:style>
+          <a:lnRef idx="1">
+            <a:schemeClr val="accent1"/>
+          </a:lnRef>
+          <a:fillRef idx="3">
+            <a:schemeClr val="accent1"/>
+          </a:fillRef>
+          <a:effectRef idx="2">
+            <a:schemeClr val="accent1"/>
+          </a:effectRef>
+          <a:fontRef idx="minor">
+            <a:schemeClr val="lt1"/>
+          </a:fontRef>
+        </p:style>
+      </p:sp>
+      <p:sp>
+        <p:nvSpPr>
+          <p:cNvPr id="13" name="Rectangle 17">
+            <a:extLst>
+              <a:ext uri="{FF2B5EF4-FFF2-40B4-BE49-F238E27FC236}">
+                <a16:creationId xmlns:a16="http://schemas.microsoft.com/office/drawing/2014/main" id="{DB93146F-62ED-4C59-844C-0935D0FB5031}"/>
+              </a:ext>
+              <a:ext uri="{C183D7F6-B498-43B3-948B-1728B52AA6E4}">
+                <adec:decorative xmlns:adec="http://schemas.microsoft.com/office/drawing/2017/decorative" val="1"/>
+              </a:ext>
+            </a:extLst>
+          </p:cNvPr>
+          <p:cNvSpPr>
+            <a:spLocks noGrp="1" noRot="1" noChangeAspect="1" noMove="1" noResize="1" noEditPoints="1" noAdjustHandles="1" noChangeArrowheads="1" noChangeShapeType="1" noTextEdit="1"/>
+          </p:cNvSpPr>
+          <p:nvPr>
+            <p:extLst>
+              <p:ext uri="{386F3935-93C4-4BCD-93E2-E3B085C9AB24}">
+                <p16:designElem xmlns:p16="http://schemas.microsoft.com/office/powerpoint/2015/main" val="1"/>
+              </p:ext>
+            </p:extLst>
+          </p:nvPr>
+        </p:nvSpPr>
+        <p:spPr>
+          <a:xfrm>
+            <a:off x="446534" y="3085765"/>
+            <a:ext cx="11262866" cy="3304800"/>
+          </a:xfrm>
+          <a:prstGeom prst="rect">
+            <a:avLst/>
+          </a:prstGeom>
+          <a:solidFill>
+            <a:schemeClr val="accent1"/>
+          </a:solidFill>
+          <a:ln>
+            <a:noFill/>
+          </a:ln>
+          <a:effectLst/>
+        </p:spPr>
+        <p:style>
+          <a:lnRef idx="1">
+            <a:schemeClr val="accent1"/>
+          </a:lnRef>
+          <a:fillRef idx="3">
+            <a:schemeClr val="accent1"/>
+          </a:fillRef>
+          <a:effectRef idx="2">
+            <a:schemeClr val="accent1"/>
+          </a:effectRef>
+          <a:fontRef idx="minor">
+            <a:schemeClr val="lt1"/>
+          </a:fontRef>
+        </p:style>
+      </p:sp>
+      <p:sp>
+        <p:nvSpPr>
+          <p:cNvPr id="15" name="Rectangle 19">
+            <a:extLst>
+              <a:ext uri="{FF2B5EF4-FFF2-40B4-BE49-F238E27FC236}">
+                <a16:creationId xmlns:a16="http://schemas.microsoft.com/office/drawing/2014/main" id="{F7207B7B-5C57-458C-BE38-95D2CD7655BB}"/>
+              </a:ext>
+              <a:ext uri="{C183D7F6-B498-43B3-948B-1728B52AA6E4}">
+                <adec:decorative xmlns:adec="http://schemas.microsoft.com/office/drawing/2017/decorative" val="1"/>
+              </a:ext>
+            </a:extLst>
+          </p:cNvPr>
+          <p:cNvSpPr>
+            <a:spLocks noGrp="1" noRot="1" noChangeAspect="1" noMove="1" noResize="1" noEditPoints="1" noAdjustHandles="1" noChangeArrowheads="1" noChangeShapeType="1" noTextEdit="1"/>
+          </p:cNvSpPr>
+          <p:nvPr>
+            <p:extLst>
+              <p:ext uri="{386F3935-93C4-4BCD-93E2-E3B085C9AB24}">
+                <p16:designElem xmlns:p16="http://schemas.microsoft.com/office/powerpoint/2015/main" val="1"/>
+              </p:ext>
+            </p:extLst>
+          </p:nvPr>
+        </p:nvSpPr>
+        <p:spPr>
+          <a:xfrm>
+            <a:off x="0" y="0"/>
+            <a:ext cx="7537703" cy="6858000"/>
+          </a:xfrm>
+          <a:prstGeom prst="rect">
+            <a:avLst/>
+          </a:prstGeom>
+          <a:solidFill>
+            <a:schemeClr val="tx1"/>
+          </a:solidFill>
+          <a:ln>
+            <a:noFill/>
+          </a:ln>
+        </p:spPr>
+        <p:style>
+          <a:lnRef idx="2">
+            <a:schemeClr val="accent1">
+              <a:shade val="50000"/>
+            </a:schemeClr>
+          </a:lnRef>
+          <a:fillRef idx="1">
+            <a:schemeClr val="accent1"/>
+          </a:fillRef>
+          <a:effectRef idx="0">
+            <a:schemeClr val="accent1"/>
+          </a:effectRef>
+          <a:fontRef idx="minor">
+            <a:schemeClr val="lt1"/>
+          </a:fontRef>
+        </p:style>
+        <p:txBody>
+          <a:bodyPr rtlCol="0" anchor="ctr"/>
+          <a:lstStyle/>
+          <a:p>
+            <a:pPr algn="ctr"/>
+            <a:endParaRPr lang="en-US"/>
+          </a:p>
+        </p:txBody>
+      </p:sp>
+      <p:sp>
+        <p:nvSpPr>
+          <p:cNvPr id="17" name="Rectangle 21">
+            <a:extLst>
+              <a:ext uri="{FF2B5EF4-FFF2-40B4-BE49-F238E27FC236}">
+                <a16:creationId xmlns:a16="http://schemas.microsoft.com/office/drawing/2014/main" id="{9822E561-F97C-4CBB-A9A6-A6BF6317BC84}"/>
+              </a:ext>
+              <a:ext uri="{C183D7F6-B498-43B3-948B-1728B52AA6E4}">
+                <adec:decorative xmlns:adec="http://schemas.microsoft.com/office/drawing/2017/decorative" val="1"/>
+              </a:ext>
+            </a:extLst>
+          </p:cNvPr>
+          <p:cNvSpPr>
+            <a:spLocks noGrp="1" noRot="1" noChangeAspect="1" noMove="1" noResize="1" noEditPoints="1" noAdjustHandles="1" noChangeArrowheads="1" noChangeShapeType="1" noTextEdit="1"/>
+          </p:cNvSpPr>
+          <p:nvPr>
+            <p:extLst>
+              <p:ext uri="{386F3935-93C4-4BCD-93E2-E3B085C9AB24}">
+                <p16:designElem xmlns:p16="http://schemas.microsoft.com/office/powerpoint/2015/main" val="1"/>
+              </p:ext>
+            </p:extLst>
+          </p:nvPr>
+        </p:nvSpPr>
+        <p:spPr>
+          <a:xfrm>
+            <a:off x="7537705" y="0"/>
+            <a:ext cx="4654295" cy="6858000"/>
+          </a:xfrm>
+          <a:prstGeom prst="rect">
+            <a:avLst/>
+          </a:prstGeom>
+          <a:solidFill>
+            <a:schemeClr val="bg2"/>
+          </a:solidFill>
+          <a:ln>
+            <a:noFill/>
+          </a:ln>
+          <a:effectLst/>
+        </p:spPr>
+        <p:style>
+          <a:lnRef idx="1">
+            <a:schemeClr val="accent1"/>
+          </a:lnRef>
+          <a:fillRef idx="3">
+            <a:schemeClr val="accent1"/>
+          </a:fillRef>
+          <a:effectRef idx="2">
+            <a:schemeClr val="accent1"/>
+          </a:effectRef>
+          <a:fontRef idx="minor">
+            <a:schemeClr val="lt1"/>
+          </a:fontRef>
+        </p:style>
+      </p:sp>
+      <p:sp>
+        <p:nvSpPr>
           <p:cNvPr id="2" name="Title 1">
             <a:extLst>
               <a:ext uri="{FF2B5EF4-FFF2-40B4-BE49-F238E27FC236}">
-                <a16:creationId xmlns:a16="http://schemas.microsoft.com/office/drawing/2014/main" id="{CB7A3E9A-BED7-49BD-A5DB-501A48798D15}"/>
+                <a16:creationId xmlns:a16="http://schemas.microsoft.com/office/drawing/2014/main" id="{4D2A10DB-CE2C-41E4-A39C-F22919E4A706}"/>
               </a:ext>
             </a:extLst>
           </p:cNvPr>
@@ -12016,53 +12291,123 @@
             <p:ph type="title"/>
           </p:nvPr>
         </p:nvSpPr>
-        <p:spPr/>
+        <p:spPr>
+          <a:xfrm>
+            <a:off x="8109235" y="863695"/>
+            <a:ext cx="3511233" cy="3779995"/>
+          </a:xfrm>
+        </p:spPr>
         <p:txBody>
-          <a:bodyPr/>
+          <a:bodyPr vert="horz" lIns="91440" tIns="45720" rIns="91440" bIns="45720" rtlCol="0" anchor="ctr">
+            <a:normAutofit/>
+          </a:bodyPr>
           <a:lstStyle/>
           <a:p>
             <a:pPr algn="ctr"/>
             <a:r>
-              <a:rPr lang="en-GB" dirty="0"/>
-              <a:t>Censys</a:t>
+              <a:rPr lang="en-US" sz="3600" dirty="0">
+                <a:solidFill>
+                  <a:schemeClr val="tx1"/>
+                </a:solidFill>
+              </a:rPr>
+              <a:t>Offensive Python with requests:  exploit Code</a:t>
             </a:r>
           </a:p>
         </p:txBody>
       </p:sp>
       <p:sp>
         <p:nvSpPr>
-          <p:cNvPr id="3" name="Content Placeholder 2">
+          <p:cNvPr id="24" name="Rectangle 23">
             <a:extLst>
               <a:ext uri="{FF2B5EF4-FFF2-40B4-BE49-F238E27FC236}">
-                <a16:creationId xmlns:a16="http://schemas.microsoft.com/office/drawing/2014/main" id="{FA7A6F7F-CF62-49E3-9901-2201A4611B8D}"/>
+                <a16:creationId xmlns:a16="http://schemas.microsoft.com/office/drawing/2014/main" id="{B01B0E58-A5C8-4CDA-A2E0-35DF94E59857}"/>
+              </a:ext>
+              <a:ext uri="{C183D7F6-B498-43B3-948B-1728B52AA6E4}">
+                <adec:decorative xmlns:adec="http://schemas.microsoft.com/office/drawing/2017/decorative" val="1"/>
               </a:ext>
             </a:extLst>
           </p:cNvPr>
           <p:cNvSpPr>
-            <a:spLocks noGrp="1"/>
+            <a:spLocks noGrp="1" noRot="1" noChangeAspect="1" noMove="1" noResize="1" noEditPoints="1" noAdjustHandles="1" noChangeArrowheads="1" noChangeShapeType="1" noTextEdit="1"/>
           </p:cNvSpPr>
           <p:nvPr>
-            <p:ph idx="1"/>
+            <p:extLst>
+              <p:ext uri="{386F3935-93C4-4BCD-93E2-E3B085C9AB24}">
+                <p16:designElem xmlns:p16="http://schemas.microsoft.com/office/powerpoint/2015/main" val="1"/>
+              </p:ext>
+            </p:extLst>
           </p:nvPr>
         </p:nvSpPr>
-        <p:spPr/>
-        <p:txBody>
-          <a:bodyPr/>
-          <a:lstStyle/>
-          <a:p>
-            <a:endParaRPr lang="en-GB"/>
-          </a:p>
-        </p:txBody>
-      </p:sp>
+        <p:spPr>
+          <a:xfrm>
+            <a:off x="8109235" y="457200"/>
+            <a:ext cx="3511233" cy="91439"/>
+          </a:xfrm>
+          <a:prstGeom prst="rect">
+            <a:avLst/>
+          </a:prstGeom>
+          <a:solidFill>
+            <a:schemeClr val="accent4"/>
+          </a:solidFill>
+          <a:ln>
+            <a:noFill/>
+          </a:ln>
+          <a:effectLst/>
+        </p:spPr>
+        <p:style>
+          <a:lnRef idx="1">
+            <a:schemeClr val="accent1"/>
+          </a:lnRef>
+          <a:fillRef idx="3">
+            <a:schemeClr val="accent1"/>
+          </a:fillRef>
+          <a:effectRef idx="2">
+            <a:schemeClr val="accent1"/>
+          </a:effectRef>
+          <a:fontRef idx="minor">
+            <a:schemeClr val="lt1"/>
+          </a:fontRef>
+        </p:style>
+      </p:sp>
+      <p:pic>
+        <p:nvPicPr>
+          <p:cNvPr id="7" name="Picture 6">
+            <a:extLst>
+              <a:ext uri="{FF2B5EF4-FFF2-40B4-BE49-F238E27FC236}">
+                <a16:creationId xmlns:a16="http://schemas.microsoft.com/office/drawing/2014/main" id="{18141F8B-98C4-4111-BFAD-640C4CADCB87}"/>
+              </a:ext>
+            </a:extLst>
+          </p:cNvPr>
+          <p:cNvPicPr>
+            <a:picLocks noChangeAspect="1"/>
+          </p:cNvPicPr>
+          <p:nvPr/>
+        </p:nvPicPr>
+        <p:blipFill>
+          <a:blip r:embed="rId2"/>
+          <a:stretch>
+            <a:fillRect/>
+          </a:stretch>
+        </p:blipFill>
+        <p:spPr>
+          <a:xfrm>
+            <a:off x="993112" y="647808"/>
+            <a:ext cx="5553869" cy="5581779"/>
+          </a:xfrm>
+          <a:prstGeom prst="rect">
+            <a:avLst/>
+          </a:prstGeom>
+        </p:spPr>
+      </p:pic>
     </p:spTree>
     <p:extLst>
       <p:ext uri="{BB962C8B-B14F-4D97-AF65-F5344CB8AC3E}">
-        <p14:creationId xmlns:p14="http://schemas.microsoft.com/office/powerpoint/2010/main" val="2767525583"/>
+        <p14:creationId xmlns:p14="http://schemas.microsoft.com/office/powerpoint/2010/main" val="1375342733"/>
       </p:ext>
     </p:extLst>
   </p:cSld>
   <p:clrMapOvr>
-    <a:masterClrMapping/>
+    <a:overrideClrMapping bg1="dk1" tx1="lt1" bg2="dk2" tx2="lt2" accent1="accent1" accent2="accent2" accent3="accent3" accent4="accent4" accent5="accent5" accent6="accent6" hlink="hlink" folHlink="folHlink"/>
   </p:clrMapOvr>
 </p:sld>
 </file>
@@ -12070,6 +12415,14 @@
 <file path=ppt/slides/slide15.xml><?xml version="1.0" encoding="utf-8"?>
 <p:sld xmlns:a="http://schemas.openxmlformats.org/drawingml/2006/main" xmlns:r="http://schemas.openxmlformats.org/officeDocument/2006/relationships" xmlns:p="http://schemas.openxmlformats.org/presentationml/2006/main">
   <p:cSld>
+    <p:bg>
+      <p:bgPr>
+        <a:solidFill>
+          <a:schemeClr val="bg1"/>
+        </a:solidFill>
+        <a:effectLst/>
+      </p:bgPr>
+    </p:bg>
     <p:spTree>
       <p:nvGrpSpPr>
         <p:cNvPr id="1" name=""/>
@@ -12086,10 +12439,343 @@
       </p:grpSpPr>
       <p:sp>
         <p:nvSpPr>
+          <p:cNvPr id="29" name="Rectangle 28">
+            <a:extLst>
+              <a:ext uri="{FF2B5EF4-FFF2-40B4-BE49-F238E27FC236}">
+                <a16:creationId xmlns:a16="http://schemas.microsoft.com/office/drawing/2014/main" id="{DB691D59-8F51-4DD8-AD41-D568D29B08F8}"/>
+              </a:ext>
+              <a:ext uri="{C183D7F6-B498-43B3-948B-1728B52AA6E4}">
+                <adec:decorative xmlns:adec="http://schemas.microsoft.com/office/drawing/2017/decorative" val="1"/>
+              </a:ext>
+            </a:extLst>
+          </p:cNvPr>
+          <p:cNvSpPr>
+            <a:spLocks noGrp="1" noRot="1" noChangeAspect="1" noMove="1" noResize="1" noEditPoints="1" noAdjustHandles="1" noChangeArrowheads="1" noChangeShapeType="1" noTextEdit="1"/>
+          </p:cNvSpPr>
+          <p:nvPr>
+            <p:extLst>
+              <p:ext uri="{386F3935-93C4-4BCD-93E2-E3B085C9AB24}">
+                <p16:designElem xmlns:p16="http://schemas.microsoft.com/office/powerpoint/2015/main" val="1"/>
+              </p:ext>
+            </p:extLst>
+          </p:nvPr>
+        </p:nvSpPr>
+        <p:spPr>
+          <a:xfrm>
+            <a:off x="446534" y="457200"/>
+            <a:ext cx="3703320" cy="94997"/>
+          </a:xfrm>
+          <a:prstGeom prst="rect">
+            <a:avLst/>
+          </a:prstGeom>
+          <a:solidFill>
+            <a:schemeClr val="accent1"/>
+          </a:solidFill>
+          <a:ln>
+            <a:noFill/>
+          </a:ln>
+          <a:effectLst/>
+        </p:spPr>
+        <p:style>
+          <a:lnRef idx="1">
+            <a:schemeClr val="accent1"/>
+          </a:lnRef>
+          <a:fillRef idx="3">
+            <a:schemeClr val="accent1"/>
+          </a:fillRef>
+          <a:effectRef idx="2">
+            <a:schemeClr val="accent1"/>
+          </a:effectRef>
+          <a:fontRef idx="minor">
+            <a:schemeClr val="lt1"/>
+          </a:fontRef>
+        </p:style>
+      </p:sp>
+      <p:sp>
+        <p:nvSpPr>
+          <p:cNvPr id="31" name="Rectangle 30">
+            <a:extLst>
+              <a:ext uri="{FF2B5EF4-FFF2-40B4-BE49-F238E27FC236}">
+                <a16:creationId xmlns:a16="http://schemas.microsoft.com/office/drawing/2014/main" id="{204AEF18-0627-48F3-9B3D-F7E8F050B1D4}"/>
+              </a:ext>
+              <a:ext uri="{C183D7F6-B498-43B3-948B-1728B52AA6E4}">
+                <adec:decorative xmlns:adec="http://schemas.microsoft.com/office/drawing/2017/decorative" val="1"/>
+              </a:ext>
+            </a:extLst>
+          </p:cNvPr>
+          <p:cNvSpPr>
+            <a:spLocks noGrp="1" noRot="1" noChangeAspect="1" noMove="1" noResize="1" noEditPoints="1" noAdjustHandles="1" noChangeArrowheads="1" noChangeShapeType="1" noTextEdit="1"/>
+          </p:cNvSpPr>
+          <p:nvPr>
+            <p:extLst>
+              <p:ext uri="{386F3935-93C4-4BCD-93E2-E3B085C9AB24}">
+                <p16:designElem xmlns:p16="http://schemas.microsoft.com/office/powerpoint/2015/main" val="1"/>
+              </p:ext>
+            </p:extLst>
+          </p:nvPr>
+        </p:nvSpPr>
+        <p:spPr>
+          <a:xfrm>
+            <a:off x="8042147" y="453643"/>
+            <a:ext cx="3703320" cy="98554"/>
+          </a:xfrm>
+          <a:prstGeom prst="rect">
+            <a:avLst/>
+          </a:prstGeom>
+          <a:solidFill>
+            <a:schemeClr val="accent4"/>
+          </a:solidFill>
+          <a:ln>
+            <a:noFill/>
+          </a:ln>
+          <a:effectLst/>
+        </p:spPr>
+        <p:style>
+          <a:lnRef idx="1">
+            <a:schemeClr val="accent1"/>
+          </a:lnRef>
+          <a:fillRef idx="3">
+            <a:schemeClr val="accent1"/>
+          </a:fillRef>
+          <a:effectRef idx="2">
+            <a:schemeClr val="accent1"/>
+          </a:effectRef>
+          <a:fontRef idx="minor">
+            <a:schemeClr val="lt1"/>
+          </a:fontRef>
+        </p:style>
+      </p:sp>
+      <p:sp>
+        <p:nvSpPr>
+          <p:cNvPr id="33" name="Rectangle 32">
+            <a:extLst>
+              <a:ext uri="{FF2B5EF4-FFF2-40B4-BE49-F238E27FC236}">
+                <a16:creationId xmlns:a16="http://schemas.microsoft.com/office/drawing/2014/main" id="{CEAEE08A-C572-438F-9753-B0D527A515A7}"/>
+              </a:ext>
+              <a:ext uri="{C183D7F6-B498-43B3-948B-1728B52AA6E4}">
+                <adec:decorative xmlns:adec="http://schemas.microsoft.com/office/drawing/2017/decorative" val="1"/>
+              </a:ext>
+            </a:extLst>
+          </p:cNvPr>
+          <p:cNvSpPr>
+            <a:spLocks noGrp="1" noRot="1" noChangeAspect="1" noMove="1" noResize="1" noEditPoints="1" noAdjustHandles="1" noChangeArrowheads="1" noChangeShapeType="1" noTextEdit="1"/>
+          </p:cNvSpPr>
+          <p:nvPr>
+            <p:extLst>
+              <p:ext uri="{386F3935-93C4-4BCD-93E2-E3B085C9AB24}">
+                <p16:designElem xmlns:p16="http://schemas.microsoft.com/office/powerpoint/2015/main" val="1"/>
+              </p:ext>
+            </p:extLst>
+          </p:nvPr>
+        </p:nvSpPr>
+        <p:spPr>
+          <a:xfrm>
+            <a:off x="4241830" y="457200"/>
+            <a:ext cx="3703320" cy="91440"/>
+          </a:xfrm>
+          <a:prstGeom prst="rect">
+            <a:avLst/>
+          </a:prstGeom>
+          <a:solidFill>
+            <a:schemeClr val="accent2"/>
+          </a:solidFill>
+          <a:ln>
+            <a:noFill/>
+          </a:ln>
+          <a:effectLst/>
+        </p:spPr>
+        <p:style>
+          <a:lnRef idx="1">
+            <a:schemeClr val="accent1"/>
+          </a:lnRef>
+          <a:fillRef idx="3">
+            <a:schemeClr val="accent1"/>
+          </a:fillRef>
+          <a:effectRef idx="2">
+            <a:schemeClr val="accent1"/>
+          </a:effectRef>
+          <a:fontRef idx="minor">
+            <a:schemeClr val="lt1"/>
+          </a:fontRef>
+        </p:style>
+      </p:sp>
+      <p:sp>
+        <p:nvSpPr>
+          <p:cNvPr id="35" name="Rectangle 34">
+            <a:extLst>
+              <a:ext uri="{FF2B5EF4-FFF2-40B4-BE49-F238E27FC236}">
+                <a16:creationId xmlns:a16="http://schemas.microsoft.com/office/drawing/2014/main" id="{DB93146F-62ED-4C59-844C-0935D0FB5031}"/>
+              </a:ext>
+              <a:ext uri="{C183D7F6-B498-43B3-948B-1728B52AA6E4}">
+                <adec:decorative xmlns:adec="http://schemas.microsoft.com/office/drawing/2017/decorative" val="1"/>
+              </a:ext>
+            </a:extLst>
+          </p:cNvPr>
+          <p:cNvSpPr>
+            <a:spLocks noGrp="1" noRot="1" noChangeAspect="1" noMove="1" noResize="1" noEditPoints="1" noAdjustHandles="1" noChangeArrowheads="1" noChangeShapeType="1" noTextEdit="1"/>
+          </p:cNvSpPr>
+          <p:nvPr>
+            <p:extLst>
+              <p:ext uri="{386F3935-93C4-4BCD-93E2-E3B085C9AB24}">
+                <p16:designElem xmlns:p16="http://schemas.microsoft.com/office/powerpoint/2015/main" val="1"/>
+              </p:ext>
+            </p:extLst>
+          </p:nvPr>
+        </p:nvSpPr>
+        <p:spPr>
+          <a:xfrm>
+            <a:off x="446534" y="3085765"/>
+            <a:ext cx="11262866" cy="3304800"/>
+          </a:xfrm>
+          <a:prstGeom prst="rect">
+            <a:avLst/>
+          </a:prstGeom>
+          <a:solidFill>
+            <a:schemeClr val="accent1"/>
+          </a:solidFill>
+          <a:ln>
+            <a:noFill/>
+          </a:ln>
+          <a:effectLst/>
+        </p:spPr>
+        <p:style>
+          <a:lnRef idx="1">
+            <a:schemeClr val="accent1"/>
+          </a:lnRef>
+          <a:fillRef idx="3">
+            <a:schemeClr val="accent1"/>
+          </a:fillRef>
+          <a:effectRef idx="2">
+            <a:schemeClr val="accent1"/>
+          </a:effectRef>
+          <a:fontRef idx="minor">
+            <a:schemeClr val="lt1"/>
+          </a:fontRef>
+        </p:style>
+      </p:sp>
+      <p:sp>
+        <p:nvSpPr>
+          <p:cNvPr id="37" name="Rectangle 36">
+            <a:extLst>
+              <a:ext uri="{FF2B5EF4-FFF2-40B4-BE49-F238E27FC236}">
+                <a16:creationId xmlns:a16="http://schemas.microsoft.com/office/drawing/2014/main" id="{F7207B7B-5C57-458C-BE38-95D2CD7655BB}"/>
+              </a:ext>
+              <a:ext uri="{C183D7F6-B498-43B3-948B-1728B52AA6E4}">
+                <adec:decorative xmlns:adec="http://schemas.microsoft.com/office/drawing/2017/decorative" val="1"/>
+              </a:ext>
+            </a:extLst>
+          </p:cNvPr>
+          <p:cNvSpPr>
+            <a:spLocks noGrp="1" noRot="1" noChangeAspect="1" noMove="1" noResize="1" noEditPoints="1" noAdjustHandles="1" noChangeArrowheads="1" noChangeShapeType="1" noTextEdit="1"/>
+          </p:cNvSpPr>
+          <p:nvPr>
+            <p:extLst>
+              <p:ext uri="{386F3935-93C4-4BCD-93E2-E3B085C9AB24}">
+                <p16:designElem xmlns:p16="http://schemas.microsoft.com/office/powerpoint/2015/main" val="1"/>
+              </p:ext>
+            </p:extLst>
+          </p:nvPr>
+        </p:nvSpPr>
+        <p:spPr>
+          <a:xfrm>
+            <a:off x="0" y="0"/>
+            <a:ext cx="7537703" cy="6858000"/>
+          </a:xfrm>
+          <a:prstGeom prst="rect">
+            <a:avLst/>
+          </a:prstGeom>
+          <a:solidFill>
+            <a:schemeClr val="tx1"/>
+          </a:solidFill>
+          <a:ln>
+            <a:noFill/>
+          </a:ln>
+        </p:spPr>
+        <p:style>
+          <a:lnRef idx="2">
+            <a:schemeClr val="accent1">
+              <a:shade val="50000"/>
+            </a:schemeClr>
+          </a:lnRef>
+          <a:fillRef idx="1">
+            <a:schemeClr val="accent1"/>
+          </a:fillRef>
+          <a:effectRef idx="0">
+            <a:schemeClr val="accent1"/>
+          </a:effectRef>
+          <a:fontRef idx="minor">
+            <a:schemeClr val="lt1"/>
+          </a:fontRef>
+        </p:style>
+        <p:txBody>
+          <a:bodyPr rtlCol="0" anchor="ctr"/>
+          <a:lstStyle/>
+          <a:p>
+            <a:pPr algn="ctr"/>
+            <a:endParaRPr lang="en-US"/>
+          </a:p>
+        </p:txBody>
+      </p:sp>
+      <p:sp>
+        <p:nvSpPr>
+          <p:cNvPr id="39" name="Rectangle 38">
+            <a:extLst>
+              <a:ext uri="{FF2B5EF4-FFF2-40B4-BE49-F238E27FC236}">
+                <a16:creationId xmlns:a16="http://schemas.microsoft.com/office/drawing/2014/main" id="{9822E561-F97C-4CBB-A9A6-A6BF6317BC84}"/>
+              </a:ext>
+              <a:ext uri="{C183D7F6-B498-43B3-948B-1728B52AA6E4}">
+                <adec:decorative xmlns:adec="http://schemas.microsoft.com/office/drawing/2017/decorative" val="1"/>
+              </a:ext>
+            </a:extLst>
+          </p:cNvPr>
+          <p:cNvSpPr>
+            <a:spLocks noGrp="1" noRot="1" noChangeAspect="1" noMove="1" noResize="1" noEditPoints="1" noAdjustHandles="1" noChangeArrowheads="1" noChangeShapeType="1" noTextEdit="1"/>
+          </p:cNvSpPr>
+          <p:nvPr>
+            <p:extLst>
+              <p:ext uri="{386F3935-93C4-4BCD-93E2-E3B085C9AB24}">
+                <p16:designElem xmlns:p16="http://schemas.microsoft.com/office/powerpoint/2015/main" val="1"/>
+              </p:ext>
+            </p:extLst>
+          </p:nvPr>
+        </p:nvSpPr>
+        <p:spPr>
+          <a:xfrm>
+            <a:off x="7537705" y="0"/>
+            <a:ext cx="4654295" cy="6858000"/>
+          </a:xfrm>
+          <a:prstGeom prst="rect">
+            <a:avLst/>
+          </a:prstGeom>
+          <a:solidFill>
+            <a:schemeClr val="bg2"/>
+          </a:solidFill>
+          <a:ln>
+            <a:noFill/>
+          </a:ln>
+          <a:effectLst/>
+        </p:spPr>
+        <p:style>
+          <a:lnRef idx="1">
+            <a:schemeClr val="accent1"/>
+          </a:lnRef>
+          <a:fillRef idx="3">
+            <a:schemeClr val="accent1"/>
+          </a:fillRef>
+          <a:effectRef idx="2">
+            <a:schemeClr val="accent1"/>
+          </a:effectRef>
+          <a:fontRef idx="minor">
+            <a:schemeClr val="lt1"/>
+          </a:fontRef>
+        </p:style>
+      </p:sp>
+      <p:sp>
+        <p:nvSpPr>
           <p:cNvPr id="2" name="Title 1">
             <a:extLst>
               <a:ext uri="{FF2B5EF4-FFF2-40B4-BE49-F238E27FC236}">
-                <a16:creationId xmlns:a16="http://schemas.microsoft.com/office/drawing/2014/main" id="{781A82A5-5464-45A0-81BD-C2047E6D9019}"/>
+                <a16:creationId xmlns:a16="http://schemas.microsoft.com/office/drawing/2014/main" id="{4D2A10DB-CE2C-41E4-A39C-F22919E4A706}"/>
               </a:ext>
             </a:extLst>
           </p:cNvPr>
@@ -12100,72 +12786,123 @@
             <p:ph type="title"/>
           </p:nvPr>
         </p:nvSpPr>
-        <p:spPr/>
+        <p:spPr>
+          <a:xfrm>
+            <a:off x="8109235" y="863695"/>
+            <a:ext cx="3511233" cy="3779995"/>
+          </a:xfrm>
+        </p:spPr>
         <p:txBody>
-          <a:bodyPr/>
+          <a:bodyPr vert="horz" lIns="91440" tIns="45720" rIns="91440" bIns="45720" rtlCol="0" anchor="ctr">
+            <a:normAutofit/>
+          </a:bodyPr>
           <a:lstStyle/>
           <a:p>
             <a:pPr algn="ctr"/>
             <a:r>
-              <a:rPr lang="en-GB" dirty="0" err="1"/>
-              <a:t>Zoomeye</a:t>
+              <a:rPr lang="en-US" sz="3600" dirty="0">
+                <a:solidFill>
+                  <a:schemeClr val="tx1"/>
+                </a:solidFill>
+              </a:rPr>
+              <a:t>Offensive Python with requests: wordlist Code</a:t>
             </a:r>
-            <a:endParaRPr lang="en-GB" dirty="0"/>
           </a:p>
         </p:txBody>
       </p:sp>
       <p:sp>
         <p:nvSpPr>
-          <p:cNvPr id="3" name="Content Placeholder 2">
+          <p:cNvPr id="41" name="Rectangle 40">
             <a:extLst>
               <a:ext uri="{FF2B5EF4-FFF2-40B4-BE49-F238E27FC236}">
-                <a16:creationId xmlns:a16="http://schemas.microsoft.com/office/drawing/2014/main" id="{1DF945C4-46CD-4D69-8355-8F79E53EE59B}"/>
+                <a16:creationId xmlns:a16="http://schemas.microsoft.com/office/drawing/2014/main" id="{B01B0E58-A5C8-4CDA-A2E0-35DF94E59857}"/>
+              </a:ext>
+              <a:ext uri="{C183D7F6-B498-43B3-948B-1728B52AA6E4}">
+                <adec:decorative xmlns:adec="http://schemas.microsoft.com/office/drawing/2017/decorative" val="1"/>
               </a:ext>
             </a:extLst>
           </p:cNvPr>
           <p:cNvSpPr>
-            <a:spLocks noGrp="1"/>
+            <a:spLocks noGrp="1" noRot="1" noChangeAspect="1" noMove="1" noResize="1" noEditPoints="1" noAdjustHandles="1" noChangeArrowheads="1" noChangeShapeType="1" noTextEdit="1"/>
           </p:cNvSpPr>
           <p:nvPr>
-            <p:ph idx="1"/>
+            <p:extLst>
+              <p:ext uri="{386F3935-93C4-4BCD-93E2-E3B085C9AB24}">
+                <p16:designElem xmlns:p16="http://schemas.microsoft.com/office/powerpoint/2015/main" val="1"/>
+              </p:ext>
+            </p:extLst>
           </p:nvPr>
         </p:nvSpPr>
-        <p:spPr/>
-        <p:txBody>
-          <a:bodyPr/>
-          <a:lstStyle/>
-          <a:p>
-            <a:r>
-              <a:rPr lang="en-GB" dirty="0"/>
-              <a:t>Recognised as the Chinese version of Shodan</a:t>
-            </a:r>
-          </a:p>
-          <a:p>
-            <a:endParaRPr lang="en-GB" dirty="0"/>
-          </a:p>
-          <a:p>
-            <a:r>
-              <a:rPr lang="en-GB" dirty="0"/>
-              <a:t>Only allowed to access 20 records without any subscription</a:t>
-            </a:r>
-          </a:p>
-          <a:p>
-            <a:endParaRPr lang="en-GB" dirty="0"/>
-          </a:p>
-          <a:p>
-            <a:endParaRPr lang="en-GB" dirty="0"/>
-          </a:p>
-        </p:txBody>
-      </p:sp>
+        <p:spPr>
+          <a:xfrm>
+            <a:off x="8109235" y="457200"/>
+            <a:ext cx="3511233" cy="91439"/>
+          </a:xfrm>
+          <a:prstGeom prst="rect">
+            <a:avLst/>
+          </a:prstGeom>
+          <a:solidFill>
+            <a:schemeClr val="accent4"/>
+          </a:solidFill>
+          <a:ln>
+            <a:noFill/>
+          </a:ln>
+          <a:effectLst/>
+        </p:spPr>
+        <p:style>
+          <a:lnRef idx="1">
+            <a:schemeClr val="accent1"/>
+          </a:lnRef>
+          <a:fillRef idx="3">
+            <a:schemeClr val="accent1"/>
+          </a:fillRef>
+          <a:effectRef idx="2">
+            <a:schemeClr val="accent1"/>
+          </a:effectRef>
+          <a:fontRef idx="minor">
+            <a:schemeClr val="lt1"/>
+          </a:fontRef>
+        </p:style>
+      </p:sp>
+      <p:pic>
+        <p:nvPicPr>
+          <p:cNvPr id="4" name="Picture 3" descr="Text&#10;&#10;Description automatically generated with medium confidence">
+            <a:extLst>
+              <a:ext uri="{FF2B5EF4-FFF2-40B4-BE49-F238E27FC236}">
+                <a16:creationId xmlns:a16="http://schemas.microsoft.com/office/drawing/2014/main" id="{155358DC-0DC4-46A5-8A6E-51CE621F15AD}"/>
+              </a:ext>
+            </a:extLst>
+          </p:cNvPr>
+          <p:cNvPicPr>
+            <a:picLocks noChangeAspect="1"/>
+          </p:cNvPicPr>
+          <p:nvPr/>
+        </p:nvPicPr>
+        <p:blipFill>
+          <a:blip r:embed="rId2"/>
+          <a:stretch>
+            <a:fillRect/>
+          </a:stretch>
+        </p:blipFill>
+        <p:spPr>
+          <a:xfrm>
+            <a:off x="643465" y="1821747"/>
+            <a:ext cx="6253164" cy="3233901"/>
+          </a:xfrm>
+          <a:prstGeom prst="rect">
+            <a:avLst/>
+          </a:prstGeom>
+        </p:spPr>
+      </p:pic>
     </p:spTree>
     <p:extLst>
       <p:ext uri="{BB962C8B-B14F-4D97-AF65-F5344CB8AC3E}">
-        <p14:creationId xmlns:p14="http://schemas.microsoft.com/office/powerpoint/2010/main" val="643692126"/>
+        <p14:creationId xmlns:p14="http://schemas.microsoft.com/office/powerpoint/2010/main" val="798493990"/>
       </p:ext>
     </p:extLst>
   </p:cSld>
   <p:clrMapOvr>
-    <a:masterClrMapping/>
+    <a:overrideClrMapping bg1="dk1" tx1="lt1" bg2="dk2" tx2="lt2" accent1="accent1" accent2="accent2" accent3="accent3" accent4="accent4" accent5="accent5" accent6="accent6" hlink="hlink" folHlink="folHlink"/>
   </p:clrMapOvr>
 </p:sld>
 </file>
@@ -12173,6 +12910,14 @@
 <file path=ppt/slides/slide16.xml><?xml version="1.0" encoding="utf-8"?>
 <p:sld xmlns:a="http://schemas.openxmlformats.org/drawingml/2006/main" xmlns:r="http://schemas.openxmlformats.org/officeDocument/2006/relationships" xmlns:p="http://schemas.openxmlformats.org/presentationml/2006/main">
   <p:cSld>
+    <p:bg>
+      <p:bgPr>
+        <a:solidFill>
+          <a:schemeClr val="bg1"/>
+        </a:solidFill>
+        <a:effectLst/>
+      </p:bgPr>
+    </p:bg>
     <p:spTree>
       <p:nvGrpSpPr>
         <p:cNvPr id="1" name=""/>
@@ -12189,10 +12934,343 @@
       </p:grpSpPr>
       <p:sp>
         <p:nvSpPr>
+          <p:cNvPr id="55" name="Rectangle 54">
+            <a:extLst>
+              <a:ext uri="{FF2B5EF4-FFF2-40B4-BE49-F238E27FC236}">
+                <a16:creationId xmlns:a16="http://schemas.microsoft.com/office/drawing/2014/main" id="{DB691D59-8F51-4DD8-AD41-D568D29B08F8}"/>
+              </a:ext>
+              <a:ext uri="{C183D7F6-B498-43B3-948B-1728B52AA6E4}">
+                <adec:decorative xmlns:adec="http://schemas.microsoft.com/office/drawing/2017/decorative" val="1"/>
+              </a:ext>
+            </a:extLst>
+          </p:cNvPr>
+          <p:cNvSpPr>
+            <a:spLocks noGrp="1" noRot="1" noChangeAspect="1" noMove="1" noResize="1" noEditPoints="1" noAdjustHandles="1" noChangeArrowheads="1" noChangeShapeType="1" noTextEdit="1"/>
+          </p:cNvSpPr>
+          <p:nvPr>
+            <p:extLst>
+              <p:ext uri="{386F3935-93C4-4BCD-93E2-E3B085C9AB24}">
+                <p16:designElem xmlns:p16="http://schemas.microsoft.com/office/powerpoint/2015/main" val="1"/>
+              </p:ext>
+            </p:extLst>
+          </p:nvPr>
+        </p:nvSpPr>
+        <p:spPr>
+          <a:xfrm>
+            <a:off x="446534" y="457200"/>
+            <a:ext cx="3703320" cy="94997"/>
+          </a:xfrm>
+          <a:prstGeom prst="rect">
+            <a:avLst/>
+          </a:prstGeom>
+          <a:solidFill>
+            <a:schemeClr val="accent1"/>
+          </a:solidFill>
+          <a:ln>
+            <a:noFill/>
+          </a:ln>
+          <a:effectLst/>
+        </p:spPr>
+        <p:style>
+          <a:lnRef idx="1">
+            <a:schemeClr val="accent1"/>
+          </a:lnRef>
+          <a:fillRef idx="3">
+            <a:schemeClr val="accent1"/>
+          </a:fillRef>
+          <a:effectRef idx="2">
+            <a:schemeClr val="accent1"/>
+          </a:effectRef>
+          <a:fontRef idx="minor">
+            <a:schemeClr val="lt1"/>
+          </a:fontRef>
+        </p:style>
+      </p:sp>
+      <p:sp>
+        <p:nvSpPr>
+          <p:cNvPr id="57" name="Rectangle 56">
+            <a:extLst>
+              <a:ext uri="{FF2B5EF4-FFF2-40B4-BE49-F238E27FC236}">
+                <a16:creationId xmlns:a16="http://schemas.microsoft.com/office/drawing/2014/main" id="{204AEF18-0627-48F3-9B3D-F7E8F050B1D4}"/>
+              </a:ext>
+              <a:ext uri="{C183D7F6-B498-43B3-948B-1728B52AA6E4}">
+                <adec:decorative xmlns:adec="http://schemas.microsoft.com/office/drawing/2017/decorative" val="1"/>
+              </a:ext>
+            </a:extLst>
+          </p:cNvPr>
+          <p:cNvSpPr>
+            <a:spLocks noGrp="1" noRot="1" noChangeAspect="1" noMove="1" noResize="1" noEditPoints="1" noAdjustHandles="1" noChangeArrowheads="1" noChangeShapeType="1" noTextEdit="1"/>
+          </p:cNvSpPr>
+          <p:nvPr>
+            <p:extLst>
+              <p:ext uri="{386F3935-93C4-4BCD-93E2-E3B085C9AB24}">
+                <p16:designElem xmlns:p16="http://schemas.microsoft.com/office/powerpoint/2015/main" val="1"/>
+              </p:ext>
+            </p:extLst>
+          </p:nvPr>
+        </p:nvSpPr>
+        <p:spPr>
+          <a:xfrm>
+            <a:off x="8042147" y="453643"/>
+            <a:ext cx="3703320" cy="98554"/>
+          </a:xfrm>
+          <a:prstGeom prst="rect">
+            <a:avLst/>
+          </a:prstGeom>
+          <a:solidFill>
+            <a:schemeClr val="accent4"/>
+          </a:solidFill>
+          <a:ln>
+            <a:noFill/>
+          </a:ln>
+          <a:effectLst/>
+        </p:spPr>
+        <p:style>
+          <a:lnRef idx="1">
+            <a:schemeClr val="accent1"/>
+          </a:lnRef>
+          <a:fillRef idx="3">
+            <a:schemeClr val="accent1"/>
+          </a:fillRef>
+          <a:effectRef idx="2">
+            <a:schemeClr val="accent1"/>
+          </a:effectRef>
+          <a:fontRef idx="minor">
+            <a:schemeClr val="lt1"/>
+          </a:fontRef>
+        </p:style>
+      </p:sp>
+      <p:sp>
+        <p:nvSpPr>
+          <p:cNvPr id="59" name="Rectangle 58">
+            <a:extLst>
+              <a:ext uri="{FF2B5EF4-FFF2-40B4-BE49-F238E27FC236}">
+                <a16:creationId xmlns:a16="http://schemas.microsoft.com/office/drawing/2014/main" id="{CEAEE08A-C572-438F-9753-B0D527A515A7}"/>
+              </a:ext>
+              <a:ext uri="{C183D7F6-B498-43B3-948B-1728B52AA6E4}">
+                <adec:decorative xmlns:adec="http://schemas.microsoft.com/office/drawing/2017/decorative" val="1"/>
+              </a:ext>
+            </a:extLst>
+          </p:cNvPr>
+          <p:cNvSpPr>
+            <a:spLocks noGrp="1" noRot="1" noChangeAspect="1" noMove="1" noResize="1" noEditPoints="1" noAdjustHandles="1" noChangeArrowheads="1" noChangeShapeType="1" noTextEdit="1"/>
+          </p:cNvSpPr>
+          <p:nvPr>
+            <p:extLst>
+              <p:ext uri="{386F3935-93C4-4BCD-93E2-E3B085C9AB24}">
+                <p16:designElem xmlns:p16="http://schemas.microsoft.com/office/powerpoint/2015/main" val="1"/>
+              </p:ext>
+            </p:extLst>
+          </p:nvPr>
+        </p:nvSpPr>
+        <p:spPr>
+          <a:xfrm>
+            <a:off x="4241830" y="457200"/>
+            <a:ext cx="3703320" cy="91440"/>
+          </a:xfrm>
+          <a:prstGeom prst="rect">
+            <a:avLst/>
+          </a:prstGeom>
+          <a:solidFill>
+            <a:schemeClr val="accent2"/>
+          </a:solidFill>
+          <a:ln>
+            <a:noFill/>
+          </a:ln>
+          <a:effectLst/>
+        </p:spPr>
+        <p:style>
+          <a:lnRef idx="1">
+            <a:schemeClr val="accent1"/>
+          </a:lnRef>
+          <a:fillRef idx="3">
+            <a:schemeClr val="accent1"/>
+          </a:fillRef>
+          <a:effectRef idx="2">
+            <a:schemeClr val="accent1"/>
+          </a:effectRef>
+          <a:fontRef idx="minor">
+            <a:schemeClr val="lt1"/>
+          </a:fontRef>
+        </p:style>
+      </p:sp>
+      <p:sp>
+        <p:nvSpPr>
+          <p:cNvPr id="61" name="Rectangle 60">
+            <a:extLst>
+              <a:ext uri="{FF2B5EF4-FFF2-40B4-BE49-F238E27FC236}">
+                <a16:creationId xmlns:a16="http://schemas.microsoft.com/office/drawing/2014/main" id="{DB93146F-62ED-4C59-844C-0935D0FB5031}"/>
+              </a:ext>
+              <a:ext uri="{C183D7F6-B498-43B3-948B-1728B52AA6E4}">
+                <adec:decorative xmlns:adec="http://schemas.microsoft.com/office/drawing/2017/decorative" val="1"/>
+              </a:ext>
+            </a:extLst>
+          </p:cNvPr>
+          <p:cNvSpPr>
+            <a:spLocks noGrp="1" noRot="1" noChangeAspect="1" noMove="1" noResize="1" noEditPoints="1" noAdjustHandles="1" noChangeArrowheads="1" noChangeShapeType="1" noTextEdit="1"/>
+          </p:cNvSpPr>
+          <p:nvPr>
+            <p:extLst>
+              <p:ext uri="{386F3935-93C4-4BCD-93E2-E3B085C9AB24}">
+                <p16:designElem xmlns:p16="http://schemas.microsoft.com/office/powerpoint/2015/main" val="1"/>
+              </p:ext>
+            </p:extLst>
+          </p:nvPr>
+        </p:nvSpPr>
+        <p:spPr>
+          <a:xfrm>
+            <a:off x="446534" y="3085765"/>
+            <a:ext cx="11262866" cy="3304800"/>
+          </a:xfrm>
+          <a:prstGeom prst="rect">
+            <a:avLst/>
+          </a:prstGeom>
+          <a:solidFill>
+            <a:schemeClr val="accent1"/>
+          </a:solidFill>
+          <a:ln>
+            <a:noFill/>
+          </a:ln>
+          <a:effectLst/>
+        </p:spPr>
+        <p:style>
+          <a:lnRef idx="1">
+            <a:schemeClr val="accent1"/>
+          </a:lnRef>
+          <a:fillRef idx="3">
+            <a:schemeClr val="accent1"/>
+          </a:fillRef>
+          <a:effectRef idx="2">
+            <a:schemeClr val="accent1"/>
+          </a:effectRef>
+          <a:fontRef idx="minor">
+            <a:schemeClr val="lt1"/>
+          </a:fontRef>
+        </p:style>
+      </p:sp>
+      <p:sp>
+        <p:nvSpPr>
+          <p:cNvPr id="63" name="Rectangle 62">
+            <a:extLst>
+              <a:ext uri="{FF2B5EF4-FFF2-40B4-BE49-F238E27FC236}">
+                <a16:creationId xmlns:a16="http://schemas.microsoft.com/office/drawing/2014/main" id="{F7207B7B-5C57-458C-BE38-95D2CD7655BB}"/>
+              </a:ext>
+              <a:ext uri="{C183D7F6-B498-43B3-948B-1728B52AA6E4}">
+                <adec:decorative xmlns:adec="http://schemas.microsoft.com/office/drawing/2017/decorative" val="1"/>
+              </a:ext>
+            </a:extLst>
+          </p:cNvPr>
+          <p:cNvSpPr>
+            <a:spLocks noGrp="1" noRot="1" noChangeAspect="1" noMove="1" noResize="1" noEditPoints="1" noAdjustHandles="1" noChangeArrowheads="1" noChangeShapeType="1" noTextEdit="1"/>
+          </p:cNvSpPr>
+          <p:nvPr>
+            <p:extLst>
+              <p:ext uri="{386F3935-93C4-4BCD-93E2-E3B085C9AB24}">
+                <p16:designElem xmlns:p16="http://schemas.microsoft.com/office/powerpoint/2015/main" val="1"/>
+              </p:ext>
+            </p:extLst>
+          </p:nvPr>
+        </p:nvSpPr>
+        <p:spPr>
+          <a:xfrm>
+            <a:off x="0" y="0"/>
+            <a:ext cx="7537703" cy="6858000"/>
+          </a:xfrm>
+          <a:prstGeom prst="rect">
+            <a:avLst/>
+          </a:prstGeom>
+          <a:solidFill>
+            <a:schemeClr val="tx1"/>
+          </a:solidFill>
+          <a:ln>
+            <a:noFill/>
+          </a:ln>
+        </p:spPr>
+        <p:style>
+          <a:lnRef idx="2">
+            <a:schemeClr val="accent1">
+              <a:shade val="50000"/>
+            </a:schemeClr>
+          </a:lnRef>
+          <a:fillRef idx="1">
+            <a:schemeClr val="accent1"/>
+          </a:fillRef>
+          <a:effectRef idx="0">
+            <a:schemeClr val="accent1"/>
+          </a:effectRef>
+          <a:fontRef idx="minor">
+            <a:schemeClr val="lt1"/>
+          </a:fontRef>
+        </p:style>
+        <p:txBody>
+          <a:bodyPr rtlCol="0" anchor="ctr"/>
+          <a:lstStyle/>
+          <a:p>
+            <a:pPr algn="ctr"/>
+            <a:endParaRPr lang="en-US"/>
+          </a:p>
+        </p:txBody>
+      </p:sp>
+      <p:sp>
+        <p:nvSpPr>
+          <p:cNvPr id="65" name="Rectangle 64">
+            <a:extLst>
+              <a:ext uri="{FF2B5EF4-FFF2-40B4-BE49-F238E27FC236}">
+                <a16:creationId xmlns:a16="http://schemas.microsoft.com/office/drawing/2014/main" id="{9822E561-F97C-4CBB-A9A6-A6BF6317BC84}"/>
+              </a:ext>
+              <a:ext uri="{C183D7F6-B498-43B3-948B-1728B52AA6E4}">
+                <adec:decorative xmlns:adec="http://schemas.microsoft.com/office/drawing/2017/decorative" val="1"/>
+              </a:ext>
+            </a:extLst>
+          </p:cNvPr>
+          <p:cNvSpPr>
+            <a:spLocks noGrp="1" noRot="1" noChangeAspect="1" noMove="1" noResize="1" noEditPoints="1" noAdjustHandles="1" noChangeArrowheads="1" noChangeShapeType="1" noTextEdit="1"/>
+          </p:cNvSpPr>
+          <p:nvPr>
+            <p:extLst>
+              <p:ext uri="{386F3935-93C4-4BCD-93E2-E3B085C9AB24}">
+                <p16:designElem xmlns:p16="http://schemas.microsoft.com/office/powerpoint/2015/main" val="1"/>
+              </p:ext>
+            </p:extLst>
+          </p:nvPr>
+        </p:nvSpPr>
+        <p:spPr>
+          <a:xfrm>
+            <a:off x="7537705" y="0"/>
+            <a:ext cx="4654295" cy="6858000"/>
+          </a:xfrm>
+          <a:prstGeom prst="rect">
+            <a:avLst/>
+          </a:prstGeom>
+          <a:solidFill>
+            <a:schemeClr val="bg2"/>
+          </a:solidFill>
+          <a:ln>
+            <a:noFill/>
+          </a:ln>
+          <a:effectLst/>
+        </p:spPr>
+        <p:style>
+          <a:lnRef idx="1">
+            <a:schemeClr val="accent1"/>
+          </a:lnRef>
+          <a:fillRef idx="3">
+            <a:schemeClr val="accent1"/>
+          </a:fillRef>
+          <a:effectRef idx="2">
+            <a:schemeClr val="accent1"/>
+          </a:effectRef>
+          <a:fontRef idx="minor">
+            <a:schemeClr val="lt1"/>
+          </a:fontRef>
+        </p:style>
+      </p:sp>
+      <p:sp>
+        <p:nvSpPr>
           <p:cNvPr id="2" name="Title 1">
             <a:extLst>
               <a:ext uri="{FF2B5EF4-FFF2-40B4-BE49-F238E27FC236}">
-                <a16:creationId xmlns:a16="http://schemas.microsoft.com/office/drawing/2014/main" id="{85380FE3-0857-4719-B270-1BA72FE6177C}"/>
+                <a16:creationId xmlns:a16="http://schemas.microsoft.com/office/drawing/2014/main" id="{BBE221C7-2EF9-4D0C-A6F8-862E900C7474}"/>
               </a:ext>
             </a:extLst>
           </p:cNvPr>
@@ -12203,25 +13281,314 @@
             <p:ph type="title"/>
           </p:nvPr>
         </p:nvSpPr>
-        <p:spPr/>
+        <p:spPr>
+          <a:xfrm>
+            <a:off x="8109235" y="863695"/>
+            <a:ext cx="3511233" cy="3779995"/>
+          </a:xfrm>
+        </p:spPr>
         <p:txBody>
-          <a:bodyPr/>
+          <a:bodyPr vert="horz" lIns="91440" tIns="45720" rIns="91440" bIns="45720" rtlCol="0" anchor="ctr">
+            <a:normAutofit/>
+          </a:bodyPr>
           <a:lstStyle/>
           <a:p>
             <a:pPr algn="ctr"/>
             <a:r>
-              <a:rPr lang="en-GB" dirty="0"/>
-              <a:t>Shodan</a:t>
+              <a:rPr lang="en-US" sz="3600" dirty="0">
+                <a:solidFill>
+                  <a:schemeClr val="tx1"/>
+                </a:solidFill>
+              </a:rPr>
+              <a:t>Offensive Python with requests: result</a:t>
             </a:r>
           </a:p>
         </p:txBody>
+      </p:sp>
+      <p:sp>
+        <p:nvSpPr>
+          <p:cNvPr id="67" name="Rectangle 66">
+            <a:extLst>
+              <a:ext uri="{FF2B5EF4-FFF2-40B4-BE49-F238E27FC236}">
+                <a16:creationId xmlns:a16="http://schemas.microsoft.com/office/drawing/2014/main" id="{B01B0E58-A5C8-4CDA-A2E0-35DF94E59857}"/>
+              </a:ext>
+              <a:ext uri="{C183D7F6-B498-43B3-948B-1728B52AA6E4}">
+                <adec:decorative xmlns:adec="http://schemas.microsoft.com/office/drawing/2017/decorative" val="1"/>
+              </a:ext>
+            </a:extLst>
+          </p:cNvPr>
+          <p:cNvSpPr>
+            <a:spLocks noGrp="1" noRot="1" noChangeAspect="1" noMove="1" noResize="1" noEditPoints="1" noAdjustHandles="1" noChangeArrowheads="1" noChangeShapeType="1" noTextEdit="1"/>
+          </p:cNvSpPr>
+          <p:nvPr>
+            <p:extLst>
+              <p:ext uri="{386F3935-93C4-4BCD-93E2-E3B085C9AB24}">
+                <p16:designElem xmlns:p16="http://schemas.microsoft.com/office/powerpoint/2015/main" val="1"/>
+              </p:ext>
+            </p:extLst>
+          </p:nvPr>
+        </p:nvSpPr>
+        <p:spPr>
+          <a:xfrm>
+            <a:off x="8109235" y="457200"/>
+            <a:ext cx="3511233" cy="91439"/>
+          </a:xfrm>
+          <a:prstGeom prst="rect">
+            <a:avLst/>
+          </a:prstGeom>
+          <a:solidFill>
+            <a:schemeClr val="accent4"/>
+          </a:solidFill>
+          <a:ln>
+            <a:noFill/>
+          </a:ln>
+          <a:effectLst/>
+        </p:spPr>
+        <p:style>
+          <a:lnRef idx="1">
+            <a:schemeClr val="accent1"/>
+          </a:lnRef>
+          <a:fillRef idx="3">
+            <a:schemeClr val="accent1"/>
+          </a:fillRef>
+          <a:effectRef idx="2">
+            <a:schemeClr val="accent1"/>
+          </a:effectRef>
+          <a:fontRef idx="minor">
+            <a:schemeClr val="lt1"/>
+          </a:fontRef>
+        </p:style>
+      </p:sp>
+      <p:pic>
+        <p:nvPicPr>
+          <p:cNvPr id="6" name="Picture 5">
+            <a:extLst>
+              <a:ext uri="{FF2B5EF4-FFF2-40B4-BE49-F238E27FC236}">
+                <a16:creationId xmlns:a16="http://schemas.microsoft.com/office/drawing/2014/main" id="{6A892C2D-6DD4-421B-AE3F-1B06943ED8A6}"/>
+              </a:ext>
+            </a:extLst>
+          </p:cNvPr>
+          <p:cNvPicPr>
+            <a:picLocks noChangeAspect="1"/>
+          </p:cNvPicPr>
+          <p:nvPr/>
+        </p:nvPicPr>
+        <p:blipFill rotWithShape="1">
+          <a:blip r:embed="rId3"/>
+          <a:srcRect t="31718" b="28319"/>
+          <a:stretch/>
+        </p:blipFill>
+        <p:spPr>
+          <a:xfrm>
+            <a:off x="643465" y="835622"/>
+            <a:ext cx="6253164" cy="5206151"/>
+          </a:xfrm>
+          <a:prstGeom prst="rect">
+            <a:avLst/>
+          </a:prstGeom>
+        </p:spPr>
+      </p:pic>
+    </p:spTree>
+    <p:extLst>
+      <p:ext uri="{BB962C8B-B14F-4D97-AF65-F5344CB8AC3E}">
+        <p14:creationId xmlns:p14="http://schemas.microsoft.com/office/powerpoint/2010/main" val="994566861"/>
+      </p:ext>
+    </p:extLst>
+  </p:cSld>
+  <p:clrMapOvr>
+    <a:overrideClrMapping bg1="dk1" tx1="lt1" bg2="dk2" tx2="lt2" accent1="accent1" accent2="accent2" accent3="accent3" accent4="accent4" accent5="accent5" accent6="accent6" hlink="hlink" folHlink="folHlink"/>
+  </p:clrMapOvr>
+</p:sld>
+</file>
+
+<file path=ppt/slides/slide17.xml><?xml version="1.0" encoding="utf-8"?>
+<p:sld xmlns:a="http://schemas.openxmlformats.org/drawingml/2006/main" xmlns:r="http://schemas.openxmlformats.org/officeDocument/2006/relationships" xmlns:p="http://schemas.openxmlformats.org/presentationml/2006/main">
+  <p:cSld>
+    <p:bg>
+      <p:bgPr>
+        <a:solidFill>
+          <a:schemeClr val="bg2"/>
+        </a:solidFill>
+        <a:effectLst/>
+      </p:bgPr>
+    </p:bg>
+    <p:spTree>
+      <p:nvGrpSpPr>
+        <p:cNvPr id="1" name=""/>
+        <p:cNvGrpSpPr/>
+        <p:nvPr/>
+      </p:nvGrpSpPr>
+      <p:grpSpPr>
+        <a:xfrm>
+          <a:off x="0" y="0"/>
+          <a:ext cx="0" cy="0"/>
+          <a:chOff x="0" y="0"/>
+          <a:chExt cx="0" cy="0"/>
+        </a:xfrm>
+      </p:grpSpPr>
+      <p:sp>
+        <p:nvSpPr>
+          <p:cNvPr id="8" name="Rectangle 7">
+            <a:extLst>
+              <a:ext uri="{FF2B5EF4-FFF2-40B4-BE49-F238E27FC236}">
+                <a16:creationId xmlns:a16="http://schemas.microsoft.com/office/drawing/2014/main" id="{D70130DC-F780-43D2-B26A-92EACD78951B}"/>
+              </a:ext>
+              <a:ext uri="{C183D7F6-B498-43B3-948B-1728B52AA6E4}">
+                <adec:decorative xmlns:adec="http://schemas.microsoft.com/office/drawing/2017/decorative" val="1"/>
+              </a:ext>
+            </a:extLst>
+          </p:cNvPr>
+          <p:cNvSpPr>
+            <a:spLocks noGrp="1" noRot="1" noChangeAspect="1" noMove="1" noResize="1" noEditPoints="1" noAdjustHandles="1" noChangeArrowheads="1" noChangeShapeType="1" noTextEdit="1"/>
+          </p:cNvSpPr>
+          <p:nvPr>
+            <p:extLst>
+              <p:ext uri="{386F3935-93C4-4BCD-93E2-E3B085C9AB24}">
+                <p16:designElem xmlns:p16="http://schemas.microsoft.com/office/powerpoint/2015/main" val="1"/>
+              </p:ext>
+            </p:extLst>
+          </p:nvPr>
+        </p:nvSpPr>
+        <p:spPr>
+          <a:xfrm>
+            <a:off x="0" y="0"/>
+            <a:ext cx="12192000" cy="6858000"/>
+          </a:xfrm>
+          <a:prstGeom prst="rect">
+            <a:avLst/>
+          </a:prstGeom>
+          <a:solidFill>
+            <a:srgbClr val="E4E4E4"/>
+          </a:solidFill>
+          <a:ln>
+            <a:noFill/>
+          </a:ln>
+        </p:spPr>
+        <p:style>
+          <a:lnRef idx="2">
+            <a:schemeClr val="accent1">
+              <a:shade val="50000"/>
+            </a:schemeClr>
+          </a:lnRef>
+          <a:fillRef idx="1">
+            <a:schemeClr val="accent1"/>
+          </a:fillRef>
+          <a:effectRef idx="0">
+            <a:schemeClr val="accent1"/>
+          </a:effectRef>
+          <a:fontRef idx="minor">
+            <a:schemeClr val="lt1"/>
+          </a:fontRef>
+        </p:style>
+        <p:txBody>
+          <a:bodyPr rtlCol="0" anchor="ctr"/>
+          <a:lstStyle/>
+          <a:p>
+            <a:pPr algn="ctr"/>
+            <a:endParaRPr lang="en-US"/>
+          </a:p>
+        </p:txBody>
+      </p:sp>
+      <p:sp>
+        <p:nvSpPr>
+          <p:cNvPr id="2" name="Title 1">
+            <a:extLst>
+              <a:ext uri="{FF2B5EF4-FFF2-40B4-BE49-F238E27FC236}">
+                <a16:creationId xmlns:a16="http://schemas.microsoft.com/office/drawing/2014/main" id="{F2038A59-4AF1-4222-BADC-48B91210A593}"/>
+              </a:ext>
+            </a:extLst>
+          </p:cNvPr>
+          <p:cNvSpPr>
+            <a:spLocks noGrp="1"/>
+          </p:cNvSpPr>
+          <p:nvPr>
+            <p:ph type="title"/>
+          </p:nvPr>
+        </p:nvSpPr>
+        <p:spPr>
+          <a:xfrm>
+            <a:off x="581192" y="641653"/>
+            <a:ext cx="11029616" cy="1095560"/>
+          </a:xfrm>
+        </p:spPr>
+        <p:txBody>
+          <a:bodyPr anchor="t">
+            <a:normAutofit/>
+          </a:bodyPr>
+          <a:lstStyle/>
+          <a:p>
+            <a:pPr algn="ctr"/>
+            <a:r>
+              <a:rPr lang="en-GB" dirty="0">
+                <a:solidFill>
+                  <a:schemeClr val="accent2"/>
+                </a:solidFill>
+              </a:rPr>
+              <a:t>Offensive lessons learnt</a:t>
+            </a:r>
+          </a:p>
+        </p:txBody>
+      </p:sp>
+      <p:sp>
+        <p:nvSpPr>
+          <p:cNvPr id="10" name="Rectangle 9">
+            <a:extLst>
+              <a:ext uri="{FF2B5EF4-FFF2-40B4-BE49-F238E27FC236}">
+                <a16:creationId xmlns:a16="http://schemas.microsoft.com/office/drawing/2014/main" id="{17676E0E-5B44-4166-8EDD-CFDBAC622C26}"/>
+              </a:ext>
+              <a:ext uri="{C183D7F6-B498-43B3-948B-1728B52AA6E4}">
+                <adec:decorative xmlns:adec="http://schemas.microsoft.com/office/drawing/2017/decorative" val="1"/>
+              </a:ext>
+            </a:extLst>
+          </p:cNvPr>
+          <p:cNvSpPr>
+            <a:spLocks noGrp="1" noRot="1" noChangeAspect="1" noMove="1" noResize="1" noEditPoints="1" noAdjustHandles="1" noChangeArrowheads="1" noChangeShapeType="1" noTextEdit="1"/>
+          </p:cNvSpPr>
+          <p:nvPr>
+            <p:extLst>
+              <p:ext uri="{386F3935-93C4-4BCD-93E2-E3B085C9AB24}">
+                <p16:designElem xmlns:p16="http://schemas.microsoft.com/office/powerpoint/2015/main" val="1"/>
+              </p:ext>
+            </p:extLst>
+          </p:nvPr>
+        </p:nvSpPr>
+        <p:spPr>
+          <a:xfrm>
+            <a:off x="446533" y="457201"/>
+            <a:ext cx="11298933" cy="91440"/>
+          </a:xfrm>
+          <a:prstGeom prst="rect">
+            <a:avLst/>
+          </a:prstGeom>
+          <a:solidFill>
+            <a:schemeClr val="accent1"/>
+          </a:solidFill>
+          <a:ln>
+            <a:noFill/>
+          </a:ln>
+          <a:effectLst/>
+        </p:spPr>
+        <p:style>
+          <a:lnRef idx="1">
+            <a:schemeClr val="accent1"/>
+          </a:lnRef>
+          <a:fillRef idx="3">
+            <a:schemeClr val="accent1"/>
+          </a:fillRef>
+          <a:effectRef idx="2">
+            <a:schemeClr val="accent1"/>
+          </a:effectRef>
+          <a:fontRef idx="minor">
+            <a:schemeClr val="lt1"/>
+          </a:fontRef>
+        </p:style>
       </p:sp>
       <p:sp>
         <p:nvSpPr>
           <p:cNvPr id="3" name="Content Placeholder 2">
             <a:extLst>
               <a:ext uri="{FF2B5EF4-FFF2-40B4-BE49-F238E27FC236}">
-                <a16:creationId xmlns:a16="http://schemas.microsoft.com/office/drawing/2014/main" id="{30A1CD9F-2118-4841-BDAE-E456D6C845CA}"/>
+                <a16:creationId xmlns:a16="http://schemas.microsoft.com/office/drawing/2014/main" id="{EA25FA14-4005-48E9-9458-05AA2381EE3E}"/>
               </a:ext>
             </a:extLst>
           </p:cNvPr>
@@ -12234,44 +13601,67 @@
         </p:nvSpPr>
         <p:spPr>
           <a:xfrm>
-            <a:off x="581192" y="2198338"/>
-            <a:ext cx="11029615" cy="3678303"/>
+            <a:off x="581192" y="1879600"/>
+            <a:ext cx="11029615" cy="3979200"/>
           </a:xfrm>
         </p:spPr>
         <p:txBody>
-          <a:bodyPr/>
+          <a:bodyPr>
+            <a:normAutofit/>
+          </a:bodyPr>
           <a:lstStyle/>
           <a:p>
             <a:r>
-              <a:rPr lang="en-GB" dirty="0"/>
-              <a:t>Vulnerability scanner based upon paid subscription</a:t>
+              <a:rPr lang="en-GB" sz="2400">
+                <a:solidFill>
+                  <a:schemeClr val="accent2">
+                    <a:lumMod val="50000"/>
+                  </a:schemeClr>
+                </a:solidFill>
+              </a:rPr>
+              <a:t>Manual enumeration matters after scanning with tools</a:t>
             </a:r>
           </a:p>
           <a:p>
-            <a:endParaRPr lang="en-GB" dirty="0"/>
+            <a:endParaRPr lang="en-GB" sz="2400">
+              <a:solidFill>
+                <a:schemeClr val="accent2">
+                  <a:lumMod val="50000"/>
+                </a:schemeClr>
+              </a:solidFill>
+            </a:endParaRPr>
           </a:p>
           <a:p>
             <a:r>
-              <a:rPr lang="en-GB" dirty="0"/>
-              <a:t>Shodan is capable of performing the same tasks as free scanners</a:t>
+              <a:rPr lang="en-GB" sz="2400">
+                <a:solidFill>
+                  <a:schemeClr val="accent2">
+                    <a:lumMod val="50000"/>
+                  </a:schemeClr>
+                </a:solidFill>
+              </a:rPr>
+              <a:t>Developing exploits can save you time and automate situations which may otherwise take a very long time to execute.</a:t>
             </a:r>
           </a:p>
           <a:p>
-            <a:endParaRPr lang="en-GB" dirty="0"/>
+            <a:endParaRPr lang="en-GB" sz="2400">
+              <a:solidFill>
+                <a:schemeClr val="accent2">
+                  <a:lumMod val="50000"/>
+                </a:schemeClr>
+              </a:solidFill>
+            </a:endParaRPr>
           </a:p>
           <a:p>
             <a:r>
-              <a:rPr lang="en-GB" dirty="0"/>
-              <a:t>Shodan has been used widely for a very long time,  with powerful capabilities of an API which can plug into many services.</a:t>
-            </a:r>
-          </a:p>
-          <a:p>
-            <a:endParaRPr lang="en-GB" dirty="0"/>
-          </a:p>
-          <a:p>
-            <a:r>
-              <a:rPr lang="en-GB" dirty="0"/>
-              <a:t>Extensible services which can allow for powerful information gathering (You get what you pay for)</a:t>
+              <a:rPr lang="en-GB" sz="2400">
+                <a:solidFill>
+                  <a:schemeClr val="accent2">
+                    <a:lumMod val="50000"/>
+                  </a:schemeClr>
+                </a:solidFill>
+              </a:rPr>
+              <a:t>You may not get SQL injection from an endpoint but try to look out for other giveaway signs of information disclosure based on output responses. </a:t>
             </a:r>
           </a:p>
         </p:txBody>
@@ -12279,7 +13669,7 @@
     </p:spTree>
     <p:extLst>
       <p:ext uri="{BB962C8B-B14F-4D97-AF65-F5344CB8AC3E}">
-        <p14:creationId xmlns:p14="http://schemas.microsoft.com/office/powerpoint/2010/main" val="396253587"/>
+        <p14:creationId xmlns:p14="http://schemas.microsoft.com/office/powerpoint/2010/main" val="1841786185"/>
       </p:ext>
     </p:extLst>
   </p:cSld>
